--- a/courses/theory/slides/lec07-sat.pptx
+++ b/courses/theory/slides/lec07-sat.pptx
@@ -5,7 +5,7 @@
     <p:sldMasterId id="2147483649" r:id="rId1"/>
   </p:sldMasterIdLst>
   <p:handoutMasterIdLst>
-    <p:handoutMasterId r:id="rId38"/>
+    <p:handoutMasterId r:id="rId40"/>
   </p:handoutMasterIdLst>
   <p:sldIdLst>
     <p:sldId id="256" r:id="rId2"/>
@@ -41,9 +41,11 @@
     <p:sldId id="350" r:id="rId32"/>
     <p:sldId id="353" r:id="rId33"/>
     <p:sldId id="387" r:id="rId34"/>
-    <p:sldId id="388" r:id="rId35"/>
-    <p:sldId id="389" r:id="rId36"/>
-    <p:sldId id="362" r:id="rId37"/>
+    <p:sldId id="391" r:id="rId35"/>
+    <p:sldId id="392" r:id="rId36"/>
+    <p:sldId id="388" r:id="rId37"/>
+    <p:sldId id="389" r:id="rId38"/>
+    <p:sldId id="362" r:id="rId39"/>
   </p:sldIdLst>
   <p:sldSz cx="9144000" cy="6858000" type="screen4x3"/>
   <p:notesSz cx="7099300" cy="10234613"/>
@@ -8766,8 +8768,8 @@
           </a:p>
         </p:txBody>
       </p:sp>
-      <mc:AlternateContent xmlns:mc="http://schemas.openxmlformats.org/markup-compatibility/2006">
-        <mc:Choice xmlns:a14="http://schemas.microsoft.com/office/drawing/2010/main" Requires="a14">
+      <mc:AlternateContent xmlns:mc="http://schemas.openxmlformats.org/markup-compatibility/2006" xmlns:a14="http://schemas.microsoft.com/office/drawing/2010/main">
+        <mc:Choice Requires="a14">
           <p:sp>
             <p:nvSpPr>
               <p:cNvPr id="8" name="内容占位符 2">
@@ -9217,7 +9219,7 @@
             </p:txBody>
           </p:sp>
         </mc:Choice>
-        <mc:Fallback>
+        <mc:Fallback xmlns="">
           <p:sp>
             <p:nvSpPr>
               <p:cNvPr id="8" name="内容占位符 2">
@@ -17358,6 +17360,1449 @@
   <p:cSld>
     <p:spTree>
       <p:nvGrpSpPr>
+        <p:cNvPr id="1" name="">
+          <a:extLst>
+            <a:ext uri="{FF2B5EF4-FFF2-40B4-BE49-F238E27FC236}">
+              <a16:creationId xmlns:a16="http://schemas.microsoft.com/office/drawing/2014/main" id="{A2A99449-38AB-1F29-C12F-BF692CDA4A3B}"/>
+            </a:ext>
+          </a:extLst>
+        </p:cNvPr>
+        <p:cNvGrpSpPr/>
+        <p:nvPr/>
+      </p:nvGrpSpPr>
+      <p:grpSpPr>
+        <a:xfrm>
+          <a:off x="0" y="0"/>
+          <a:ext cx="0" cy="0"/>
+          <a:chOff x="0" y="0"/>
+          <a:chExt cx="0" cy="0"/>
+        </a:xfrm>
+      </p:grpSpPr>
+      <p:sp>
+        <p:nvSpPr>
+          <p:cNvPr id="2" name="标题 1">
+            <a:extLst>
+              <a:ext uri="{FF2B5EF4-FFF2-40B4-BE49-F238E27FC236}">
+                <a16:creationId xmlns:a16="http://schemas.microsoft.com/office/drawing/2014/main" id="{08F5617E-5463-5C5E-A0EF-7F3F817389B0}"/>
+              </a:ext>
+            </a:extLst>
+          </p:cNvPr>
+          <p:cNvSpPr>
+            <a:spLocks noGrp="1"/>
+          </p:cNvSpPr>
+          <p:nvPr>
+            <p:ph type="title"/>
+          </p:nvPr>
+        </p:nvSpPr>
+        <p:spPr/>
+        <p:txBody>
+          <a:bodyPr/>
+          <a:lstStyle/>
+          <a:p>
+            <a:r>
+              <a:rPr kumimoji="1" lang="en-US" altLang="zh-CN" dirty="0"/>
+              <a:t>Example 3: subset</a:t>
+            </a:r>
+            <a:r>
+              <a:rPr kumimoji="1" lang="zh-CN" altLang="en-US" dirty="0"/>
+              <a:t> </a:t>
+            </a:r>
+            <a:r>
+              <a:rPr kumimoji="1" lang="en-US" altLang="zh-CN" dirty="0"/>
+              <a:t>sum</a:t>
+            </a:r>
+            <a:endParaRPr kumimoji="1" lang="zh-CN" altLang="en-US" dirty="0"/>
+          </a:p>
+        </p:txBody>
+      </p:sp>
+      <p:sp>
+        <p:nvSpPr>
+          <p:cNvPr id="21" name="文本框 20">
+            <a:extLst>
+              <a:ext uri="{FF2B5EF4-FFF2-40B4-BE49-F238E27FC236}">
+                <a16:creationId xmlns:a16="http://schemas.microsoft.com/office/drawing/2014/main" id="{F7DDB707-282E-532C-D787-F41A731BFF32}"/>
+              </a:ext>
+            </a:extLst>
+          </p:cNvPr>
+          <p:cNvSpPr txBox="1"/>
+          <p:nvPr/>
+        </p:nvSpPr>
+        <p:spPr>
+          <a:xfrm>
+            <a:off x="5257800" y="3352800"/>
+            <a:ext cx="3686175" cy="646331"/>
+          </a:xfrm>
+          <a:prstGeom prst="rect">
+            <a:avLst/>
+          </a:prstGeom>
+          <a:noFill/>
+        </p:spPr>
+        <p:txBody>
+          <a:bodyPr wrap="square" rtlCol="0">
+            <a:spAutoFit/>
+          </a:bodyPr>
+          <a:lstStyle/>
+          <a:p>
+            <a:r>
+              <a:rPr kumimoji="1" lang="en-US" altLang="zh-CN" dirty="0"/>
+              <a:t>Example:</a:t>
+            </a:r>
+            <a:r>
+              <a:rPr kumimoji="1" lang="zh-CN" altLang="en-US" dirty="0"/>
+              <a:t> </a:t>
+            </a:r>
+            <a:r>
+              <a:rPr kumimoji="1" lang="en-US" altLang="zh-CN" dirty="0"/>
+              <a:t>{2,</a:t>
+            </a:r>
+            <a:r>
+              <a:rPr kumimoji="1" lang="zh-CN" altLang="en-US" dirty="0"/>
+              <a:t> </a:t>
+            </a:r>
+            <a:r>
+              <a:rPr kumimoji="1" lang="en-US" altLang="zh-CN" dirty="0"/>
+              <a:t>3,</a:t>
+            </a:r>
+            <a:r>
+              <a:rPr kumimoji="1" lang="zh-CN" altLang="en-US" dirty="0"/>
+              <a:t> </a:t>
+            </a:r>
+            <a:r>
+              <a:rPr kumimoji="1" lang="en-US" altLang="zh-CN" dirty="0"/>
+              <a:t>8,</a:t>
+            </a:r>
+            <a:r>
+              <a:rPr kumimoji="1" lang="zh-CN" altLang="en-US" dirty="0"/>
+              <a:t> </a:t>
+            </a:r>
+            <a:r>
+              <a:rPr kumimoji="1" lang="en-US" altLang="zh-CN" dirty="0"/>
+              <a:t>-5}</a:t>
+            </a:r>
+          </a:p>
+          <a:p>
+            <a:r>
+              <a:rPr kumimoji="1" lang="en-US" altLang="zh-CN" dirty="0"/>
+              <a:t>the</a:t>
+            </a:r>
+            <a:r>
+              <a:rPr kumimoji="1" lang="zh-CN" altLang="en-US" dirty="0"/>
+              <a:t> </a:t>
+            </a:r>
+            <a:r>
+              <a:rPr kumimoji="1" lang="en-US" altLang="zh-CN" dirty="0"/>
+              <a:t>subset:</a:t>
+            </a:r>
+            <a:r>
+              <a:rPr kumimoji="1" lang="zh-CN" altLang="en-US" dirty="0"/>
+              <a:t> </a:t>
+            </a:r>
+            <a:r>
+              <a:rPr kumimoji="1" lang="en-US" altLang="zh-CN" dirty="0"/>
+              <a:t>{2,</a:t>
+            </a:r>
+            <a:r>
+              <a:rPr kumimoji="1" lang="zh-CN" altLang="en-US" dirty="0"/>
+              <a:t> </a:t>
+            </a:r>
+            <a:r>
+              <a:rPr kumimoji="1" lang="en-US" altLang="zh-CN" dirty="0"/>
+              <a:t>3,</a:t>
+            </a:r>
+            <a:r>
+              <a:rPr kumimoji="1" lang="zh-CN" altLang="en-US" dirty="0"/>
+              <a:t> </a:t>
+            </a:r>
+            <a:r>
+              <a:rPr kumimoji="1" lang="en-US" altLang="zh-CN" dirty="0"/>
+              <a:t>-5}.</a:t>
+            </a:r>
+            <a:endParaRPr kumimoji="1" lang="zh-CN" altLang="en-US" dirty="0"/>
+          </a:p>
+        </p:txBody>
+      </p:sp>
+      <p:sp>
+        <p:nvSpPr>
+          <p:cNvPr id="24" name="文本框 23">
+            <a:extLst>
+              <a:ext uri="{FF2B5EF4-FFF2-40B4-BE49-F238E27FC236}">
+                <a16:creationId xmlns:a16="http://schemas.microsoft.com/office/drawing/2014/main" id="{6E3F84B2-202F-B114-4021-7ECFEB8B1E4F}"/>
+              </a:ext>
+            </a:extLst>
+          </p:cNvPr>
+          <p:cNvSpPr txBox="1"/>
+          <p:nvPr/>
+        </p:nvSpPr>
+        <p:spPr>
+          <a:xfrm>
+            <a:off x="304800" y="1905000"/>
+            <a:ext cx="4724400" cy="4524315"/>
+          </a:xfrm>
+          <a:prstGeom prst="rect">
+            <a:avLst/>
+          </a:prstGeom>
+          <a:noFill/>
+        </p:spPr>
+        <p:txBody>
+          <a:bodyPr wrap="square" rtlCol="0">
+            <a:spAutoFit/>
+          </a:bodyPr>
+          <a:lstStyle/>
+          <a:p>
+            <a:r>
+              <a:rPr kumimoji="1" lang="en-US" altLang="zh-CN" dirty="0"/>
+              <a:t>Modeling the problem:</a:t>
+            </a:r>
+          </a:p>
+          <a:p>
+            <a:pPr marL="342900" indent="-342900">
+              <a:buAutoNum type="arabicPeriod"/>
+            </a:pPr>
+            <a:r>
+              <a:rPr kumimoji="1" lang="en-US" altLang="zh-CN" dirty="0">
+                <a:solidFill>
+                  <a:srgbClr val="0432FF"/>
+                </a:solidFill>
+              </a:rPr>
+              <a:t>x_i</a:t>
+            </a:r>
+            <a:r>
+              <a:rPr kumimoji="1" lang="en-US" altLang="zh-CN" dirty="0"/>
+              <a:t>: a proposition indicating whether</a:t>
+            </a:r>
+            <a:r>
+              <a:rPr kumimoji="1" lang="zh-CN" altLang="en-US" dirty="0"/>
+              <a:t> </a:t>
+            </a:r>
+            <a:r>
+              <a:rPr kumimoji="1" lang="en-US" altLang="zh-CN" dirty="0"/>
+              <a:t>the</a:t>
+            </a:r>
+            <a:r>
+              <a:rPr kumimoji="1" lang="zh-CN" altLang="en-US" dirty="0"/>
+              <a:t> </a:t>
+            </a:r>
+            <a:r>
+              <a:rPr kumimoji="1" lang="en-US" altLang="zh-CN" dirty="0" err="1"/>
+              <a:t>i</a:t>
+            </a:r>
+            <a:r>
+              <a:rPr kumimoji="1" lang="en-US" altLang="zh-CN" baseline="30000" dirty="0" err="1"/>
+              <a:t>th</a:t>
+            </a:r>
+            <a:r>
+              <a:rPr kumimoji="1" lang="zh-CN" altLang="en-US" dirty="0"/>
+              <a:t> </a:t>
+            </a:r>
+            <a:r>
+              <a:rPr kumimoji="1" lang="en-US" altLang="zh-CN" dirty="0"/>
+              <a:t>element</a:t>
+            </a:r>
+            <a:r>
+              <a:rPr kumimoji="1" lang="zh-CN" altLang="en-US" dirty="0"/>
+              <a:t> </a:t>
+            </a:r>
+            <a:r>
+              <a:rPr kumimoji="1" lang="en-US" altLang="zh-CN" dirty="0"/>
+              <a:t>in</a:t>
+            </a:r>
+            <a:r>
+              <a:rPr kumimoji="1" lang="zh-CN" altLang="en-US" dirty="0"/>
+              <a:t> </a:t>
+            </a:r>
+            <a:r>
+              <a:rPr kumimoji="1" lang="en-US" altLang="zh-CN" dirty="0"/>
+              <a:t>S</a:t>
+            </a:r>
+            <a:r>
+              <a:rPr kumimoji="1" lang="zh-CN" altLang="en-US" dirty="0"/>
+              <a:t> </a:t>
+            </a:r>
+            <a:r>
+              <a:rPr kumimoji="1" lang="en-US" altLang="zh-CN" dirty="0"/>
+              <a:t>is</a:t>
+            </a:r>
+            <a:r>
+              <a:rPr kumimoji="1" lang="zh-CN" altLang="en-US" dirty="0"/>
+              <a:t> </a:t>
+            </a:r>
+            <a:r>
+              <a:rPr kumimoji="1" lang="en-US" altLang="zh-CN" dirty="0"/>
+              <a:t>selected.</a:t>
+            </a:r>
+          </a:p>
+          <a:p>
+            <a:r>
+              <a:rPr kumimoji="1" lang="en-US" altLang="zh-CN" dirty="0"/>
+              <a:t>E.g.,</a:t>
+            </a:r>
+          </a:p>
+          <a:p>
+            <a:r>
+              <a:rPr kumimoji="1" lang="en-US" altLang="zh-CN" dirty="0"/>
+              <a:t>x_0</a:t>
+            </a:r>
+            <a:r>
+              <a:rPr kumimoji="1" lang="zh-CN" altLang="en-US" dirty="0"/>
+              <a:t>  </a:t>
+            </a:r>
+            <a:r>
+              <a:rPr kumimoji="1" lang="en-US" altLang="zh-CN" dirty="0"/>
+              <a:t>x_1</a:t>
+            </a:r>
+            <a:r>
+              <a:rPr kumimoji="1" lang="zh-CN" altLang="en-US" dirty="0"/>
+              <a:t>   </a:t>
+            </a:r>
+            <a:r>
+              <a:rPr kumimoji="1" lang="en-US" altLang="zh-CN" dirty="0"/>
+              <a:t>x_2</a:t>
+            </a:r>
+            <a:r>
+              <a:rPr kumimoji="1" lang="zh-CN" altLang="en-US" dirty="0"/>
+              <a:t>   </a:t>
+            </a:r>
+            <a:r>
+              <a:rPr kumimoji="1" lang="en-US" altLang="zh-CN" dirty="0"/>
+              <a:t>x_3</a:t>
+            </a:r>
+          </a:p>
+          <a:p>
+            <a:r>
+              <a:rPr kumimoji="1" lang="en-US" altLang="zh-CN" dirty="0"/>
+              <a:t>{2,</a:t>
+            </a:r>
+            <a:r>
+              <a:rPr kumimoji="1" lang="zh-CN" altLang="en-US" dirty="0"/>
+              <a:t>    </a:t>
+            </a:r>
+            <a:r>
+              <a:rPr kumimoji="1" lang="en-US" altLang="zh-CN" dirty="0"/>
+              <a:t>3,</a:t>
+            </a:r>
+            <a:r>
+              <a:rPr kumimoji="1" lang="zh-CN" altLang="en-US"/>
+              <a:t>     </a:t>
+            </a:r>
+            <a:r>
+              <a:rPr kumimoji="1" lang="en-US" altLang="zh-CN"/>
+              <a:t>8</a:t>
+            </a:r>
+            <a:r>
+              <a:rPr kumimoji="1" lang="en-US" altLang="zh-CN" dirty="0"/>
+              <a:t>,</a:t>
+            </a:r>
+            <a:r>
+              <a:rPr kumimoji="1" lang="zh-CN" altLang="en-US" dirty="0"/>
+              <a:t>     </a:t>
+            </a:r>
+            <a:r>
+              <a:rPr kumimoji="1" lang="en-US" altLang="zh-CN" dirty="0"/>
+              <a:t>-5}</a:t>
+            </a:r>
+          </a:p>
+          <a:p>
+            <a:endParaRPr kumimoji="1" lang="en-US" altLang="zh-CN" dirty="0"/>
+          </a:p>
+          <a:p>
+            <a:endParaRPr kumimoji="1" lang="en-US" altLang="zh-CN" dirty="0"/>
+          </a:p>
+          <a:p>
+            <a:r>
+              <a:rPr kumimoji="1" lang="en-US" altLang="zh-CN" dirty="0"/>
+              <a:t>Then</a:t>
+            </a:r>
+            <a:r>
+              <a:rPr kumimoji="1" lang="zh-CN" altLang="en-US" dirty="0"/>
+              <a:t> </a:t>
+            </a:r>
+            <a:r>
+              <a:rPr kumimoji="1" lang="en-US" altLang="zh-CN" dirty="0"/>
+              <a:t>we</a:t>
+            </a:r>
+            <a:r>
+              <a:rPr kumimoji="1" lang="zh-CN" altLang="en-US" dirty="0"/>
+              <a:t> </a:t>
+            </a:r>
+            <a:r>
+              <a:rPr kumimoji="1" lang="en-US" altLang="zh-CN" dirty="0"/>
+              <a:t>have:</a:t>
+            </a:r>
+          </a:p>
+          <a:p>
+            <a:r>
+              <a:rPr kumimoji="1" lang="en-US" altLang="zh-CN" dirty="0">
+                <a:solidFill>
+                  <a:srgbClr val="0432FF"/>
+                </a:solidFill>
+              </a:rPr>
+              <a:t>(</a:t>
+            </a:r>
+            <a:r>
+              <a:rPr kumimoji="1" lang="en-US" altLang="zh-CN" dirty="0" err="1">
+                <a:solidFill>
+                  <a:srgbClr val="0432FF"/>
+                </a:solidFill>
+              </a:rPr>
+              <a:t>x_i</a:t>
+            </a:r>
+            <a:r>
+              <a:rPr kumimoji="1" lang="zh-CN" altLang="en-US" dirty="0">
+                <a:solidFill>
+                  <a:srgbClr val="0432FF"/>
+                </a:solidFill>
+              </a:rPr>
+              <a:t> → </a:t>
+            </a:r>
+            <a:r>
+              <a:rPr kumimoji="1" lang="en-US" altLang="zh-CN" dirty="0">
+                <a:solidFill>
+                  <a:srgbClr val="0432FF"/>
+                </a:solidFill>
+              </a:rPr>
+              <a:t>S[</a:t>
+            </a:r>
+            <a:r>
+              <a:rPr kumimoji="1" lang="en-US" altLang="zh-CN" dirty="0" err="1">
+                <a:solidFill>
+                  <a:srgbClr val="0432FF"/>
+                </a:solidFill>
+              </a:rPr>
+              <a:t>i</a:t>
+            </a:r>
+            <a:r>
+              <a:rPr kumimoji="1" lang="en-US" altLang="zh-CN" dirty="0">
+                <a:solidFill>
+                  <a:srgbClr val="0432FF"/>
+                </a:solidFill>
+              </a:rPr>
+              <a:t>]) \/ (¬</a:t>
+            </a:r>
+            <a:r>
+              <a:rPr kumimoji="1" lang="en-US" altLang="zh-CN" dirty="0" err="1">
+                <a:solidFill>
+                  <a:srgbClr val="0432FF"/>
+                </a:solidFill>
+              </a:rPr>
+              <a:t>x_i</a:t>
+            </a:r>
+            <a:r>
+              <a:rPr kumimoji="1" lang="zh-CN" altLang="en-US" dirty="0">
+                <a:solidFill>
+                  <a:srgbClr val="0432FF"/>
+                </a:solidFill>
+              </a:rPr>
+              <a:t> → </a:t>
+            </a:r>
+            <a:r>
+              <a:rPr kumimoji="1" lang="en-US" altLang="zh-CN" dirty="0">
+                <a:solidFill>
+                  <a:srgbClr val="0432FF"/>
+                </a:solidFill>
+              </a:rPr>
+              <a:t>0)</a:t>
+            </a:r>
+          </a:p>
+          <a:p>
+            <a:r>
+              <a:rPr kumimoji="1" lang="en-US" altLang="zh-CN" dirty="0"/>
+              <a:t>Or abbreviated as an if expression:</a:t>
+            </a:r>
+          </a:p>
+          <a:p>
+            <a:r>
+              <a:rPr kumimoji="1" lang="en-US" altLang="zh-CN" dirty="0">
+                <a:solidFill>
+                  <a:srgbClr val="0432FF"/>
+                </a:solidFill>
+              </a:rPr>
+              <a:t>If(x_i, S[</a:t>
+            </a:r>
+            <a:r>
+              <a:rPr kumimoji="1" lang="en-US" altLang="zh-CN" dirty="0" err="1">
+                <a:solidFill>
+                  <a:srgbClr val="0432FF"/>
+                </a:solidFill>
+              </a:rPr>
+              <a:t>i</a:t>
+            </a:r>
+            <a:r>
+              <a:rPr kumimoji="1" lang="en-US" altLang="zh-CN" dirty="0">
+                <a:solidFill>
+                  <a:srgbClr val="0432FF"/>
+                </a:solidFill>
+              </a:rPr>
+              <a:t>], 0)</a:t>
+            </a:r>
+            <a:endParaRPr kumimoji="1" lang="en-US" altLang="zh-CN" dirty="0"/>
+          </a:p>
+          <a:p>
+            <a:r>
+              <a:rPr kumimoji="1" lang="en-US" altLang="zh-CN" dirty="0"/>
+              <a:t>The</a:t>
+            </a:r>
+            <a:r>
+              <a:rPr kumimoji="1" lang="zh-CN" altLang="en-US" dirty="0"/>
+              <a:t> </a:t>
+            </a:r>
+            <a:r>
+              <a:rPr kumimoji="1" lang="en-US" altLang="zh-CN" dirty="0"/>
+              <a:t>following</a:t>
+            </a:r>
+            <a:r>
+              <a:rPr kumimoji="1" lang="zh-CN" altLang="en-US" dirty="0"/>
+              <a:t> </a:t>
+            </a:r>
+            <a:r>
+              <a:rPr kumimoji="1" lang="en-US" altLang="zh-CN" dirty="0"/>
+              <a:t>encodes</a:t>
+            </a:r>
+            <a:r>
+              <a:rPr kumimoji="1" lang="zh-CN" altLang="en-US" dirty="0"/>
+              <a:t> ∑ </a:t>
+            </a:r>
+            <a:r>
+              <a:rPr kumimoji="1" lang="en-US" altLang="zh-CN" dirty="0"/>
+              <a:t>T</a:t>
+            </a:r>
+            <a:r>
+              <a:rPr kumimoji="1" lang="zh-CN" altLang="en-US" dirty="0"/>
+              <a:t> </a:t>
+            </a:r>
+            <a:r>
+              <a:rPr kumimoji="1" lang="en-US" altLang="zh-CN" dirty="0"/>
+              <a:t>=</a:t>
+            </a:r>
+            <a:r>
+              <a:rPr kumimoji="1" lang="zh-CN" altLang="en-US" dirty="0"/>
+              <a:t> </a:t>
+            </a:r>
+            <a:r>
+              <a:rPr kumimoji="1" lang="en-US" altLang="zh-CN" dirty="0"/>
+              <a:t>0:</a:t>
+            </a:r>
+          </a:p>
+          <a:p>
+            <a:r>
+              <a:rPr kumimoji="1" lang="en-US" altLang="zh-CN" dirty="0">
+                <a:solidFill>
+                  <a:srgbClr val="0432FF"/>
+                </a:solidFill>
+              </a:rPr>
+              <a:t>If(x_0, S[0], 0) +…+ If(</a:t>
+            </a:r>
+            <a:r>
+              <a:rPr kumimoji="1" lang="en-US" altLang="zh-CN" dirty="0" err="1">
+                <a:solidFill>
+                  <a:srgbClr val="0432FF"/>
+                </a:solidFill>
+              </a:rPr>
+              <a:t>x_n</a:t>
+            </a:r>
+            <a:r>
+              <a:rPr kumimoji="1" lang="en-US" altLang="zh-CN" dirty="0">
+                <a:solidFill>
+                  <a:srgbClr val="0432FF"/>
+                </a:solidFill>
+              </a:rPr>
+              <a:t>, S[n], 0) == 0</a:t>
+            </a:r>
+          </a:p>
+          <a:p>
+            <a:r>
+              <a:rPr kumimoji="1" lang="en-US" altLang="zh-CN" dirty="0"/>
+              <a:t>And the subset is nonempty</a:t>
+            </a:r>
+            <a:r>
+              <a:rPr kumimoji="1" lang="zh-CN" altLang="en-US" dirty="0"/>
+              <a:t> </a:t>
+            </a:r>
+            <a:r>
+              <a:rPr kumimoji="1" lang="en-US" altLang="zh-CN" dirty="0"/>
+              <a:t>T</a:t>
+            </a:r>
+            <a:r>
+              <a:rPr kumimoji="1" lang="zh-CN" altLang="en-US" dirty="0"/>
+              <a:t> ≠∅</a:t>
+            </a:r>
+            <a:r>
+              <a:rPr kumimoji="1" lang="en-US" altLang="zh-CN" dirty="0"/>
+              <a:t>:</a:t>
+            </a:r>
+          </a:p>
+          <a:p>
+            <a:r>
+              <a:rPr kumimoji="1" lang="en-US" altLang="zh-CN" dirty="0">
+                <a:solidFill>
+                  <a:srgbClr val="0432FF"/>
+                </a:solidFill>
+              </a:rPr>
+              <a:t>Or(x_0, …, </a:t>
+            </a:r>
+            <a:r>
+              <a:rPr kumimoji="1" lang="en-US" altLang="zh-CN" dirty="0" err="1">
+                <a:solidFill>
+                  <a:srgbClr val="0432FF"/>
+                </a:solidFill>
+              </a:rPr>
+              <a:t>x_n</a:t>
+            </a:r>
+            <a:r>
+              <a:rPr kumimoji="1" lang="en-US" altLang="zh-CN" dirty="0">
+                <a:solidFill>
+                  <a:srgbClr val="0432FF"/>
+                </a:solidFill>
+              </a:rPr>
+              <a:t>)</a:t>
+            </a:r>
+          </a:p>
+        </p:txBody>
+      </p:sp>
+      <p:sp>
+        <p:nvSpPr>
+          <p:cNvPr id="3" name="文本框 2">
+            <a:extLst>
+              <a:ext uri="{FF2B5EF4-FFF2-40B4-BE49-F238E27FC236}">
+                <a16:creationId xmlns:a16="http://schemas.microsoft.com/office/drawing/2014/main" id="{52D9E507-15EC-D55D-6409-563690D4A72A}"/>
+              </a:ext>
+            </a:extLst>
+          </p:cNvPr>
+          <p:cNvSpPr txBox="1"/>
+          <p:nvPr/>
+        </p:nvSpPr>
+        <p:spPr>
+          <a:xfrm>
+            <a:off x="5305425" y="1840468"/>
+            <a:ext cx="3686175" cy="923330"/>
+          </a:xfrm>
+          <a:prstGeom prst="rect">
+            <a:avLst/>
+          </a:prstGeom>
+          <a:noFill/>
+        </p:spPr>
+        <p:txBody>
+          <a:bodyPr wrap="square" rtlCol="0">
+            <a:spAutoFit/>
+          </a:bodyPr>
+          <a:lstStyle/>
+          <a:p>
+            <a:r>
+              <a:rPr kumimoji="1" lang="en-US" altLang="zh-CN" dirty="0"/>
+              <a:t>Given</a:t>
+            </a:r>
+            <a:r>
+              <a:rPr kumimoji="1" lang="zh-CN" altLang="en-US" dirty="0"/>
+              <a:t> </a:t>
+            </a:r>
+            <a:r>
+              <a:rPr kumimoji="1" lang="en-US" altLang="zh-CN" dirty="0"/>
+              <a:t>an</a:t>
+            </a:r>
+            <a:r>
+              <a:rPr kumimoji="1" lang="zh-CN" altLang="en-US" dirty="0"/>
+              <a:t> </a:t>
+            </a:r>
+            <a:r>
+              <a:rPr kumimoji="1" lang="en-US" altLang="zh-CN" dirty="0"/>
+              <a:t>integer</a:t>
+            </a:r>
+            <a:r>
+              <a:rPr kumimoji="1" lang="zh-CN" altLang="en-US" dirty="0"/>
+              <a:t> </a:t>
+            </a:r>
+            <a:r>
+              <a:rPr kumimoji="1" lang="en-US" altLang="zh-CN" dirty="0"/>
+              <a:t>set</a:t>
+            </a:r>
+            <a:r>
+              <a:rPr kumimoji="1" lang="zh-CN" altLang="en-US" dirty="0"/>
+              <a:t> </a:t>
+            </a:r>
+            <a:r>
+              <a:rPr kumimoji="1" lang="en-US" altLang="zh-CN" dirty="0"/>
+              <a:t>S,</a:t>
+            </a:r>
+            <a:r>
+              <a:rPr kumimoji="1" lang="zh-CN" altLang="en-US" dirty="0"/>
+              <a:t> </a:t>
+            </a:r>
+            <a:r>
+              <a:rPr kumimoji="1" lang="en-US" altLang="zh-CN" dirty="0"/>
+              <a:t>is</a:t>
+            </a:r>
+            <a:r>
+              <a:rPr kumimoji="1" lang="zh-CN" altLang="en-US" dirty="0"/>
+              <a:t> </a:t>
+            </a:r>
+            <a:r>
+              <a:rPr kumimoji="1" lang="en-US" altLang="zh-CN" dirty="0"/>
+              <a:t>there</a:t>
+            </a:r>
+            <a:r>
+              <a:rPr kumimoji="1" lang="zh-CN" altLang="en-US" dirty="0"/>
+              <a:t> </a:t>
+            </a:r>
+            <a:r>
+              <a:rPr kumimoji="1" lang="en-US" altLang="zh-CN" dirty="0"/>
+              <a:t>a</a:t>
+            </a:r>
+            <a:r>
+              <a:rPr kumimoji="1" lang="zh-CN" altLang="en-US" dirty="0"/>
+              <a:t> </a:t>
+            </a:r>
+            <a:r>
+              <a:rPr kumimoji="1" lang="en-US" altLang="zh-CN" dirty="0"/>
+              <a:t>subset</a:t>
+            </a:r>
+            <a:r>
+              <a:rPr kumimoji="1" lang="zh-CN" altLang="en-US" dirty="0"/>
+              <a:t> </a:t>
+            </a:r>
+            <a:r>
+              <a:rPr kumimoji="1" lang="en-US" altLang="zh-CN" dirty="0"/>
+              <a:t>T</a:t>
+            </a:r>
+            <a:r>
+              <a:rPr kumimoji="1" lang="zh-CN" altLang="en-US" dirty="0"/>
+              <a:t>⊆</a:t>
+            </a:r>
+            <a:r>
+              <a:rPr kumimoji="1" lang="en-US" altLang="zh-CN" dirty="0"/>
+              <a:t>S</a:t>
+            </a:r>
+            <a:r>
+              <a:rPr kumimoji="1" lang="zh-CN" altLang="en-US" dirty="0"/>
+              <a:t> </a:t>
+            </a:r>
+            <a:r>
+              <a:rPr kumimoji="1" lang="en-US" altLang="zh-CN" dirty="0"/>
+              <a:t>and</a:t>
+            </a:r>
+            <a:r>
+              <a:rPr kumimoji="1" lang="zh-CN" altLang="en-US" dirty="0"/>
+              <a:t> </a:t>
+            </a:r>
+            <a:r>
+              <a:rPr kumimoji="1" lang="en-US" altLang="zh-CN" dirty="0"/>
+              <a:t>T</a:t>
+            </a:r>
+            <a:r>
+              <a:rPr kumimoji="1" lang="zh-CN" altLang="en-US" dirty="0"/>
+              <a:t> ≠∅</a:t>
+            </a:r>
+            <a:r>
+              <a:rPr kumimoji="1" lang="en-US" altLang="zh-CN" dirty="0"/>
+              <a:t>,</a:t>
+            </a:r>
+            <a:r>
+              <a:rPr kumimoji="1" lang="zh-CN" altLang="en-US" dirty="0"/>
+              <a:t> </a:t>
+            </a:r>
+            <a:r>
+              <a:rPr kumimoji="1" lang="en-US" altLang="zh-CN" dirty="0"/>
+              <a:t>such</a:t>
+            </a:r>
+            <a:r>
+              <a:rPr kumimoji="1" lang="zh-CN" altLang="en-US" dirty="0"/>
+              <a:t> </a:t>
+            </a:r>
+            <a:r>
+              <a:rPr kumimoji="1" lang="en-US" altLang="zh-CN" dirty="0"/>
+              <a:t>that</a:t>
+            </a:r>
+          </a:p>
+          <a:p>
+            <a:r>
+              <a:rPr kumimoji="1" lang="zh-CN" altLang="en-US" dirty="0"/>
+              <a:t>                     ∑ </a:t>
+            </a:r>
+            <a:r>
+              <a:rPr kumimoji="1" lang="en-US" altLang="zh-CN" dirty="0"/>
+              <a:t>T</a:t>
+            </a:r>
+            <a:r>
+              <a:rPr kumimoji="1" lang="zh-CN" altLang="en-US" dirty="0"/>
+              <a:t> </a:t>
+            </a:r>
+            <a:r>
+              <a:rPr kumimoji="1" lang="en-US" altLang="zh-CN" dirty="0"/>
+              <a:t>=</a:t>
+            </a:r>
+            <a:r>
+              <a:rPr kumimoji="1" lang="zh-CN" altLang="en-US" dirty="0"/>
+              <a:t> </a:t>
+            </a:r>
+            <a:r>
+              <a:rPr kumimoji="1" lang="en-US" altLang="zh-CN" dirty="0"/>
+              <a:t>0.</a:t>
+            </a:r>
+            <a:endParaRPr kumimoji="1" lang="zh-CN" altLang="en-US" dirty="0"/>
+          </a:p>
+        </p:txBody>
+      </p:sp>
+    </p:spTree>
+    <p:extLst>
+      <p:ext uri="{BB962C8B-B14F-4D97-AF65-F5344CB8AC3E}">
+        <p14:creationId xmlns:p14="http://schemas.microsoft.com/office/powerpoint/2010/main" val="1055020493"/>
+      </p:ext>
+    </p:extLst>
+  </p:cSld>
+  <p:clrMapOvr>
+    <a:masterClrMapping/>
+  </p:clrMapOvr>
+  <p:timing>
+    <p:tnLst>
+      <p:par>
+        <p:cTn id="1" dur="indefinite" restart="never" nodeType="tmRoot">
+          <p:childTnLst>
+            <p:seq concurrent="1" nextAc="seek">
+              <p:cTn id="2" dur="indefinite" nodeType="mainSeq">
+                <p:childTnLst>
+                  <p:par>
+                    <p:cTn id="3" fill="hold">
+                      <p:stCondLst>
+                        <p:cond delay="indefinite"/>
+                      </p:stCondLst>
+                      <p:childTnLst>
+                        <p:par>
+                          <p:cTn id="4" fill="hold">
+                            <p:stCondLst>
+                              <p:cond delay="0"/>
+                            </p:stCondLst>
+                            <p:childTnLst>
+                              <p:par>
+                                <p:cTn id="5" presetID="3" presetClass="entr" presetSubtype="10" fill="hold" grpId="0" nodeType="clickEffect">
+                                  <p:stCondLst>
+                                    <p:cond delay="0"/>
+                                  </p:stCondLst>
+                                  <p:childTnLst>
+                                    <p:set>
+                                      <p:cBhvr>
+                                        <p:cTn id="6" dur="1" fill="hold">
+                                          <p:stCondLst>
+                                            <p:cond delay="0"/>
+                                          </p:stCondLst>
+                                        </p:cTn>
+                                        <p:tgtEl>
+                                          <p:spTgt spid="21"/>
+                                        </p:tgtEl>
+                                        <p:attrNameLst>
+                                          <p:attrName>style.visibility</p:attrName>
+                                        </p:attrNameLst>
+                                      </p:cBhvr>
+                                      <p:to>
+                                        <p:strVal val="visible"/>
+                                      </p:to>
+                                    </p:set>
+                                    <p:animEffect transition="in" filter="blinds(horizontal)">
+                                      <p:cBhvr>
+                                        <p:cTn id="7" dur="500"/>
+                                        <p:tgtEl>
+                                          <p:spTgt spid="21"/>
+                                        </p:tgtEl>
+                                      </p:cBhvr>
+                                    </p:animEffect>
+                                  </p:childTnLst>
+                                </p:cTn>
+                              </p:par>
+                            </p:childTnLst>
+                          </p:cTn>
+                        </p:par>
+                      </p:childTnLst>
+                    </p:cTn>
+                  </p:par>
+                  <p:par>
+                    <p:cTn id="8" fill="hold">
+                      <p:stCondLst>
+                        <p:cond delay="indefinite"/>
+                      </p:stCondLst>
+                      <p:childTnLst>
+                        <p:par>
+                          <p:cTn id="9" fill="hold">
+                            <p:stCondLst>
+                              <p:cond delay="0"/>
+                            </p:stCondLst>
+                            <p:childTnLst>
+                              <p:par>
+                                <p:cTn id="10" presetID="3" presetClass="entr" presetSubtype="10" fill="hold" grpId="0" nodeType="clickEffect">
+                                  <p:stCondLst>
+                                    <p:cond delay="0"/>
+                                  </p:stCondLst>
+                                  <p:childTnLst>
+                                    <p:set>
+                                      <p:cBhvr>
+                                        <p:cTn id="11" dur="1" fill="hold">
+                                          <p:stCondLst>
+                                            <p:cond delay="0"/>
+                                          </p:stCondLst>
+                                        </p:cTn>
+                                        <p:tgtEl>
+                                          <p:spTgt spid="3"/>
+                                        </p:tgtEl>
+                                        <p:attrNameLst>
+                                          <p:attrName>style.visibility</p:attrName>
+                                        </p:attrNameLst>
+                                      </p:cBhvr>
+                                      <p:to>
+                                        <p:strVal val="visible"/>
+                                      </p:to>
+                                    </p:set>
+                                    <p:animEffect transition="in" filter="blinds(horizontal)">
+                                      <p:cBhvr>
+                                        <p:cTn id="12" dur="500"/>
+                                        <p:tgtEl>
+                                          <p:spTgt spid="3"/>
+                                        </p:tgtEl>
+                                      </p:cBhvr>
+                                    </p:animEffect>
+                                  </p:childTnLst>
+                                </p:cTn>
+                              </p:par>
+                            </p:childTnLst>
+                          </p:cTn>
+                        </p:par>
+                      </p:childTnLst>
+                    </p:cTn>
+                  </p:par>
+                </p:childTnLst>
+              </p:cTn>
+              <p:prevCondLst>
+                <p:cond evt="onPrev" delay="0">
+                  <p:tgtEl>
+                    <p:sldTgt/>
+                  </p:tgtEl>
+                </p:cond>
+              </p:prevCondLst>
+              <p:nextCondLst>
+                <p:cond evt="onNext" delay="0">
+                  <p:tgtEl>
+                    <p:sldTgt/>
+                  </p:tgtEl>
+                </p:cond>
+              </p:nextCondLst>
+            </p:seq>
+          </p:childTnLst>
+        </p:cTn>
+      </p:par>
+    </p:tnLst>
+    <p:bldLst>
+      <p:bldP spid="21" grpId="0"/>
+      <p:bldP spid="3" grpId="0"/>
+    </p:bldLst>
+  </p:timing>
+</p:sld>
+</file>
+
+<file path=ppt/slides/slide35.xml><?xml version="1.0" encoding="utf-8"?>
+<p:sld xmlns:a="http://schemas.openxmlformats.org/drawingml/2006/main" xmlns:r="http://schemas.openxmlformats.org/officeDocument/2006/relationships" xmlns:p="http://schemas.openxmlformats.org/presentationml/2006/main">
+  <p:cSld>
+    <p:spTree>
+      <p:nvGrpSpPr>
+        <p:cNvPr id="1" name="">
+          <a:extLst>
+            <a:ext uri="{FF2B5EF4-FFF2-40B4-BE49-F238E27FC236}">
+              <a16:creationId xmlns:a16="http://schemas.microsoft.com/office/drawing/2014/main" id="{660E244F-B154-1364-8A5F-90425CEFDF4E}"/>
+            </a:ext>
+          </a:extLst>
+        </p:cNvPr>
+        <p:cNvGrpSpPr/>
+        <p:nvPr/>
+      </p:nvGrpSpPr>
+      <p:grpSpPr>
+        <a:xfrm>
+          <a:off x="0" y="0"/>
+          <a:ext cx="0" cy="0"/>
+          <a:chOff x="0" y="0"/>
+          <a:chExt cx="0" cy="0"/>
+        </a:xfrm>
+      </p:grpSpPr>
+      <p:sp>
+        <p:nvSpPr>
+          <p:cNvPr id="2" name="标题 1">
+            <a:extLst>
+              <a:ext uri="{FF2B5EF4-FFF2-40B4-BE49-F238E27FC236}">
+                <a16:creationId xmlns:a16="http://schemas.microsoft.com/office/drawing/2014/main" id="{5A5A9113-4791-5BC6-66A7-99D31927C501}"/>
+              </a:ext>
+            </a:extLst>
+          </p:cNvPr>
+          <p:cNvSpPr>
+            <a:spLocks noGrp="1"/>
+          </p:cNvSpPr>
+          <p:nvPr>
+            <p:ph type="title"/>
+          </p:nvPr>
+        </p:nvSpPr>
+        <p:spPr/>
+        <p:txBody>
+          <a:bodyPr/>
+          <a:lstStyle/>
+          <a:p>
+            <a:r>
+              <a:rPr kumimoji="1" lang="en-US" altLang="zh-CN" dirty="0"/>
+              <a:t>Example 4: knapsack</a:t>
+            </a:r>
+            <a:endParaRPr kumimoji="1" lang="zh-CN" altLang="en-US" dirty="0"/>
+          </a:p>
+        </p:txBody>
+      </p:sp>
+      <p:sp>
+        <p:nvSpPr>
+          <p:cNvPr id="21" name="文本框 20">
+            <a:extLst>
+              <a:ext uri="{FF2B5EF4-FFF2-40B4-BE49-F238E27FC236}">
+                <a16:creationId xmlns:a16="http://schemas.microsoft.com/office/drawing/2014/main" id="{561F8876-E12F-DFCA-F954-D553676A5916}"/>
+              </a:ext>
+            </a:extLst>
+          </p:cNvPr>
+          <p:cNvSpPr txBox="1"/>
+          <p:nvPr/>
+        </p:nvSpPr>
+        <p:spPr>
+          <a:xfrm>
+            <a:off x="5257800" y="3352800"/>
+            <a:ext cx="3686175" cy="2585323"/>
+          </a:xfrm>
+          <a:prstGeom prst="rect">
+            <a:avLst/>
+          </a:prstGeom>
+          <a:noFill/>
+        </p:spPr>
+        <p:txBody>
+          <a:bodyPr wrap="square" rtlCol="0">
+            <a:spAutoFit/>
+          </a:bodyPr>
+          <a:lstStyle/>
+          <a:p>
+            <a:r>
+              <a:rPr kumimoji="1" lang="en-US" altLang="zh-CN" dirty="0"/>
+              <a:t>3 people Alice, Bob, Carol, take 3 seats.</a:t>
+            </a:r>
+          </a:p>
+          <a:p>
+            <a:r>
+              <a:rPr kumimoji="1" lang="en-US" altLang="zh-CN" dirty="0"/>
+              <a:t>Constraints:</a:t>
+            </a:r>
+          </a:p>
+          <a:p>
+            <a:pPr marL="342900" indent="-342900">
+              <a:buAutoNum type="arabicPeriod"/>
+            </a:pPr>
+            <a:r>
+              <a:rPr kumimoji="1" lang="en-US" altLang="zh-CN" dirty="0"/>
+              <a:t>Alice cannot sit near to Carol;</a:t>
+            </a:r>
+          </a:p>
+          <a:p>
+            <a:pPr marL="342900" indent="-342900">
+              <a:buAutoNum type="arabicPeriod"/>
+            </a:pPr>
+            <a:r>
+              <a:rPr kumimoji="1" lang="en-US" altLang="zh-CN" dirty="0"/>
+              <a:t>Bob cannot sit right to Alice.</a:t>
+            </a:r>
+          </a:p>
+          <a:p>
+            <a:pPr marL="342900" indent="-342900">
+              <a:buAutoNum type="arabicPeriod"/>
+            </a:pPr>
+            <a:endParaRPr kumimoji="1" lang="en-US" altLang="zh-CN" dirty="0"/>
+          </a:p>
+          <a:p>
+            <a:r>
+              <a:rPr kumimoji="1" lang="en-US" altLang="zh-CN" dirty="0"/>
+              <a:t>Question:</a:t>
+            </a:r>
+          </a:p>
+          <a:p>
+            <a:pPr marL="342900" indent="-342900">
+              <a:buAutoNum type="arabicPeriod"/>
+            </a:pPr>
+            <a:r>
+              <a:rPr kumimoji="1" lang="en-US" altLang="zh-CN" dirty="0"/>
+              <a:t>Is there any solution?</a:t>
+            </a:r>
+          </a:p>
+          <a:p>
+            <a:pPr marL="342900" indent="-342900">
+              <a:buAutoNum type="arabicPeriod"/>
+            </a:pPr>
+            <a:r>
+              <a:rPr kumimoji="1" lang="en-US" altLang="zh-CN" dirty="0"/>
+              <a:t>How many solutions in total?</a:t>
+            </a:r>
+            <a:endParaRPr kumimoji="1" lang="zh-CN" altLang="en-US" dirty="0"/>
+          </a:p>
+        </p:txBody>
+      </p:sp>
+      <p:sp>
+        <p:nvSpPr>
+          <p:cNvPr id="24" name="文本框 23">
+            <a:extLst>
+              <a:ext uri="{FF2B5EF4-FFF2-40B4-BE49-F238E27FC236}">
+                <a16:creationId xmlns:a16="http://schemas.microsoft.com/office/drawing/2014/main" id="{AFCE80F8-C389-487F-37CB-7FA9B5511CAA}"/>
+              </a:ext>
+            </a:extLst>
+          </p:cNvPr>
+          <p:cNvSpPr txBox="1"/>
+          <p:nvPr/>
+        </p:nvSpPr>
+        <p:spPr>
+          <a:xfrm>
+            <a:off x="304800" y="1905000"/>
+            <a:ext cx="4724400" cy="5078313"/>
+          </a:xfrm>
+          <a:prstGeom prst="rect">
+            <a:avLst/>
+          </a:prstGeom>
+          <a:noFill/>
+        </p:spPr>
+        <p:txBody>
+          <a:bodyPr wrap="square" rtlCol="0">
+            <a:spAutoFit/>
+          </a:bodyPr>
+          <a:lstStyle/>
+          <a:p>
+            <a:r>
+              <a:rPr kumimoji="1" lang="en-US" altLang="zh-CN" dirty="0"/>
+              <a:t>Modeling the problem:</a:t>
+            </a:r>
+          </a:p>
+          <a:p>
+            <a:pPr marL="342900" indent="-342900">
+              <a:buAutoNum type="arabicPeriod"/>
+            </a:pPr>
+            <a:r>
+              <a:rPr kumimoji="1" lang="en-US" altLang="zh-CN" dirty="0"/>
+              <a:t>Ai: Alice takes seat Ai</a:t>
+            </a:r>
+          </a:p>
+          <a:p>
+            <a:pPr marL="342900" indent="-342900">
+              <a:buAutoNum type="arabicPeriod"/>
+            </a:pPr>
+            <a:r>
+              <a:rPr kumimoji="1" lang="en-US" altLang="zh-CN" dirty="0"/>
+              <a:t>Bi: Bob takes seat Bi</a:t>
+            </a:r>
+          </a:p>
+          <a:p>
+            <a:pPr marL="342900" indent="-342900">
+              <a:buAutoNum type="arabicPeriod"/>
+            </a:pPr>
+            <a:r>
+              <a:rPr kumimoji="1" lang="en-US" altLang="zh-CN" dirty="0"/>
+              <a:t>Ci: Bob take the seat Ci</a:t>
+            </a:r>
+          </a:p>
+          <a:p>
+            <a:r>
+              <a:rPr kumimoji="1" lang="en-US" altLang="zh-CN" dirty="0"/>
+              <a:t>Where 1&lt;=</a:t>
+            </a:r>
+            <a:r>
+              <a:rPr kumimoji="1" lang="en-US" altLang="zh-CN" dirty="0" err="1"/>
+              <a:t>i</a:t>
+            </a:r>
+            <a:r>
+              <a:rPr kumimoji="1" lang="en-US" altLang="zh-CN" dirty="0"/>
+              <a:t>&lt;=3.</a:t>
+            </a:r>
+          </a:p>
+          <a:p>
+            <a:endParaRPr kumimoji="1" lang="en-US" altLang="zh-CN" dirty="0"/>
+          </a:p>
+          <a:p>
+            <a:r>
+              <a:rPr kumimoji="1" lang="en-US" altLang="zh-CN" dirty="0"/>
+              <a:t>Modeling the constraint:</a:t>
+            </a:r>
+          </a:p>
+          <a:p>
+            <a:pPr marL="342900" indent="-342900">
+              <a:buAutoNum type="arabicPeriod"/>
+            </a:pPr>
+            <a:r>
+              <a:rPr kumimoji="1" lang="en-US" altLang="zh-CN" dirty="0"/>
+              <a:t>Alice must take just one seat:</a:t>
+            </a:r>
+          </a:p>
+          <a:p>
+            <a:r>
+              <a:rPr kumimoji="1" lang="en-US" altLang="zh-CN" dirty="0">
+                <a:solidFill>
+                  <a:srgbClr val="0432FF"/>
+                </a:solidFill>
+              </a:rPr>
+              <a:t>(A1/\~A2/\~A3) \/ (~A1/\A2/\~A3) \/ (~A1/\~A2/\A3)</a:t>
+            </a:r>
+          </a:p>
+          <a:p>
+            <a:r>
+              <a:rPr kumimoji="1" lang="en-US" altLang="zh-CN" dirty="0"/>
+              <a:t>2. Bob (Carol) takes just one seat:</a:t>
+            </a:r>
+          </a:p>
+          <a:p>
+            <a:r>
+              <a:rPr kumimoji="1" lang="en-US" altLang="zh-CN" dirty="0"/>
+              <a:t>…</a:t>
+            </a:r>
+          </a:p>
+          <a:p>
+            <a:r>
+              <a:rPr kumimoji="1" lang="en-US" altLang="zh-CN" dirty="0"/>
+              <a:t>3. The 1</a:t>
+            </a:r>
+            <a:r>
+              <a:rPr kumimoji="1" lang="en-US" altLang="zh-CN" baseline="30000" dirty="0"/>
+              <a:t>st</a:t>
+            </a:r>
+            <a:r>
+              <a:rPr kumimoji="1" lang="en-US" altLang="zh-CN" dirty="0"/>
+              <a:t> seat just taken by 1 person:</a:t>
+            </a:r>
+          </a:p>
+          <a:p>
+            <a:r>
+              <a:rPr kumimoji="1" lang="en-US" altLang="zh-CN" dirty="0">
+                <a:solidFill>
+                  <a:srgbClr val="0432FF"/>
+                </a:solidFill>
+              </a:rPr>
+              <a:t>(A1/\~B1/\~C1) \/ (~A1/\B1/\~C1) \/ (~A1/\~B1/\C1)</a:t>
+            </a:r>
+          </a:p>
+          <a:p>
+            <a:r>
+              <a:rPr kumimoji="1" lang="en-US" altLang="zh-CN" dirty="0"/>
+              <a:t>4. Alice cannot sit near to Carol:</a:t>
+            </a:r>
+          </a:p>
+          <a:p>
+            <a:r>
+              <a:rPr kumimoji="1" lang="en-US" altLang="zh-CN" dirty="0">
+                <a:solidFill>
+                  <a:srgbClr val="0432FF"/>
+                </a:solidFill>
+              </a:rPr>
+              <a:t>(A1-&gt;~B2)/\(A2-&gt;~B1)/\(A2-&gt;~B3)/\(A3-&gt;~B2)</a:t>
+            </a:r>
+          </a:p>
+        </p:txBody>
+      </p:sp>
+      <p:pic>
+        <p:nvPicPr>
+          <p:cNvPr id="4" name="图片 3">
+            <a:extLst>
+              <a:ext uri="{FF2B5EF4-FFF2-40B4-BE49-F238E27FC236}">
+                <a16:creationId xmlns:a16="http://schemas.microsoft.com/office/drawing/2014/main" id="{8C22EFAF-C5C2-C4EF-088F-6D8E26560C5E}"/>
+              </a:ext>
+            </a:extLst>
+          </p:cNvPr>
+          <p:cNvPicPr>
+            <a:picLocks noChangeAspect="1"/>
+          </p:cNvPicPr>
+          <p:nvPr/>
+        </p:nvPicPr>
+        <p:blipFill>
+          <a:blip r:embed="rId2">
+            <a:extLst>
+              <a:ext uri="{28A0092B-C50C-407E-A947-70E740481C1C}">
+                <a14:useLocalDpi xmlns:a14="http://schemas.microsoft.com/office/drawing/2010/main" val="0"/>
+              </a:ext>
+            </a:extLst>
+          </a:blip>
+          <a:stretch>
+            <a:fillRect/>
+          </a:stretch>
+        </p:blipFill>
+        <p:spPr>
+          <a:xfrm>
+            <a:off x="5257800" y="1968500"/>
+            <a:ext cx="1079500" cy="1079500"/>
+          </a:xfrm>
+          <a:prstGeom prst="rect">
+            <a:avLst/>
+          </a:prstGeom>
+        </p:spPr>
+      </p:pic>
+      <p:pic>
+        <p:nvPicPr>
+          <p:cNvPr id="10" name="图片 9">
+            <a:extLst>
+              <a:ext uri="{FF2B5EF4-FFF2-40B4-BE49-F238E27FC236}">
+                <a16:creationId xmlns:a16="http://schemas.microsoft.com/office/drawing/2014/main" id="{CDC3F050-25DC-FE67-7B39-C344163EFDF7}"/>
+              </a:ext>
+            </a:extLst>
+          </p:cNvPr>
+          <p:cNvPicPr>
+            <a:picLocks noChangeAspect="1"/>
+          </p:cNvPicPr>
+          <p:nvPr/>
+        </p:nvPicPr>
+        <p:blipFill>
+          <a:blip r:embed="rId2">
+            <a:extLst>
+              <a:ext uri="{28A0092B-C50C-407E-A947-70E740481C1C}">
+                <a14:useLocalDpi xmlns:a14="http://schemas.microsoft.com/office/drawing/2010/main" val="0"/>
+              </a:ext>
+            </a:extLst>
+          </a:blip>
+          <a:stretch>
+            <a:fillRect/>
+          </a:stretch>
+        </p:blipFill>
+        <p:spPr>
+          <a:xfrm>
+            <a:off x="6464300" y="1981200"/>
+            <a:ext cx="1079500" cy="1079500"/>
+          </a:xfrm>
+          <a:prstGeom prst="rect">
+            <a:avLst/>
+          </a:prstGeom>
+        </p:spPr>
+      </p:pic>
+      <p:pic>
+        <p:nvPicPr>
+          <p:cNvPr id="11" name="图片 10">
+            <a:extLst>
+              <a:ext uri="{FF2B5EF4-FFF2-40B4-BE49-F238E27FC236}">
+                <a16:creationId xmlns:a16="http://schemas.microsoft.com/office/drawing/2014/main" id="{977DBC2B-FA40-A162-6565-A5F188958C96}"/>
+              </a:ext>
+            </a:extLst>
+          </p:cNvPr>
+          <p:cNvPicPr>
+            <a:picLocks noChangeAspect="1"/>
+          </p:cNvPicPr>
+          <p:nvPr/>
+        </p:nvPicPr>
+        <p:blipFill>
+          <a:blip r:embed="rId2">
+            <a:extLst>
+              <a:ext uri="{28A0092B-C50C-407E-A947-70E740481C1C}">
+                <a14:useLocalDpi xmlns:a14="http://schemas.microsoft.com/office/drawing/2010/main" val="0"/>
+              </a:ext>
+            </a:extLst>
+          </a:blip>
+          <a:stretch>
+            <a:fillRect/>
+          </a:stretch>
+        </p:blipFill>
+        <p:spPr>
+          <a:xfrm>
+            <a:off x="7620000" y="1981200"/>
+            <a:ext cx="1079500" cy="1079500"/>
+          </a:xfrm>
+          <a:prstGeom prst="rect">
+            <a:avLst/>
+          </a:prstGeom>
+        </p:spPr>
+      </p:pic>
+    </p:spTree>
+    <p:extLst>
+      <p:ext uri="{BB962C8B-B14F-4D97-AF65-F5344CB8AC3E}">
+        <p14:creationId xmlns:p14="http://schemas.microsoft.com/office/powerpoint/2010/main" val="2183933069"/>
+      </p:ext>
+    </p:extLst>
+  </p:cSld>
+  <p:clrMapOvr>
+    <a:masterClrMapping/>
+  </p:clrMapOvr>
+  <p:timing>
+    <p:tnLst>
+      <p:par>
+        <p:cTn id="1" dur="indefinite" restart="never" nodeType="tmRoot">
+          <p:childTnLst>
+            <p:seq concurrent="1" nextAc="seek">
+              <p:cTn id="2" dur="indefinite" nodeType="mainSeq">
+                <p:childTnLst>
+                  <p:par>
+                    <p:cTn id="3" fill="hold">
+                      <p:stCondLst>
+                        <p:cond delay="indefinite"/>
+                      </p:stCondLst>
+                      <p:childTnLst>
+                        <p:par>
+                          <p:cTn id="4" fill="hold">
+                            <p:stCondLst>
+                              <p:cond delay="0"/>
+                            </p:stCondLst>
+                            <p:childTnLst>
+                              <p:par>
+                                <p:cTn id="5" presetID="3" presetClass="entr" presetSubtype="10" fill="hold" grpId="0" nodeType="clickEffect">
+                                  <p:stCondLst>
+                                    <p:cond delay="0"/>
+                                  </p:stCondLst>
+                                  <p:childTnLst>
+                                    <p:set>
+                                      <p:cBhvr>
+                                        <p:cTn id="6" dur="1" fill="hold">
+                                          <p:stCondLst>
+                                            <p:cond delay="0"/>
+                                          </p:stCondLst>
+                                        </p:cTn>
+                                        <p:tgtEl>
+                                          <p:spTgt spid="21"/>
+                                        </p:tgtEl>
+                                        <p:attrNameLst>
+                                          <p:attrName>style.visibility</p:attrName>
+                                        </p:attrNameLst>
+                                      </p:cBhvr>
+                                      <p:to>
+                                        <p:strVal val="visible"/>
+                                      </p:to>
+                                    </p:set>
+                                    <p:animEffect transition="in" filter="blinds(horizontal)">
+                                      <p:cBhvr>
+                                        <p:cTn id="7" dur="500"/>
+                                        <p:tgtEl>
+                                          <p:spTgt spid="21"/>
+                                        </p:tgtEl>
+                                      </p:cBhvr>
+                                    </p:animEffect>
+                                  </p:childTnLst>
+                                </p:cTn>
+                              </p:par>
+                            </p:childTnLst>
+                          </p:cTn>
+                        </p:par>
+                      </p:childTnLst>
+                    </p:cTn>
+                  </p:par>
+                </p:childTnLst>
+              </p:cTn>
+              <p:prevCondLst>
+                <p:cond evt="onPrev" delay="0">
+                  <p:tgtEl>
+                    <p:sldTgt/>
+                  </p:tgtEl>
+                </p:cond>
+              </p:prevCondLst>
+              <p:nextCondLst>
+                <p:cond evt="onNext" delay="0">
+                  <p:tgtEl>
+                    <p:sldTgt/>
+                  </p:tgtEl>
+                </p:cond>
+              </p:nextCondLst>
+            </p:seq>
+          </p:childTnLst>
+        </p:cTn>
+      </p:par>
+    </p:tnLst>
+    <p:bldLst>
+      <p:bldP spid="21" grpId="0"/>
+    </p:bldLst>
+  </p:timing>
+</p:sld>
+</file>
+
+<file path=ppt/slides/slide36.xml><?xml version="1.0" encoding="utf-8"?>
+<p:sld xmlns:a="http://schemas.openxmlformats.org/drawingml/2006/main" xmlns:r="http://schemas.openxmlformats.org/officeDocument/2006/relationships" xmlns:p="http://schemas.openxmlformats.org/presentationml/2006/main">
+  <p:cSld>
+    <p:spTree>
+      <p:nvGrpSpPr>
         <p:cNvPr id="1" name=""/>
         <p:cNvGrpSpPr/>
         <p:nvPr/>
@@ -17393,7 +18838,7 @@
           <a:p>
             <a:r>
               <a:rPr kumimoji="1" lang="en-US" altLang="zh-CN" dirty="0"/>
-              <a:t>Example 3: n-queens puzzle</a:t>
+              <a:t>Example 5: n-queens puzzle</a:t>
             </a:r>
             <a:endParaRPr kumimoji="1" lang="zh-CN" altLang="en-US" dirty="0"/>
           </a:p>
@@ -17429,7 +18874,7 @@
           <a:p>
             <a:r>
               <a:rPr kumimoji="1" lang="en-US" altLang="zh-CN" dirty="0"/>
-              <a:t>Is it possible to put n queens on a n*n board, so that no queen can attack each other?</a:t>
+              <a:t>Is it possible to put n queens on a n*n board, so that no queens can attack each other?</a:t>
             </a:r>
           </a:p>
           <a:p>
@@ -17711,7 +19156,7 @@
 </p:sld>
 </file>
 
-<file path=ppt/slides/slide35.xml><?xml version="1.0" encoding="utf-8"?>
+<file path=ppt/slides/slide37.xml><?xml version="1.0" encoding="utf-8"?>
 <p:sld xmlns:a="http://schemas.openxmlformats.org/drawingml/2006/main" xmlns:r="http://schemas.openxmlformats.org/officeDocument/2006/relationships" xmlns:p="http://schemas.openxmlformats.org/presentationml/2006/main">
   <p:cSld>
     <p:spTree>
@@ -17751,7 +19196,7 @@
           <a:p>
             <a:r>
               <a:rPr kumimoji="1" lang="en-US" altLang="zh-CN" dirty="0"/>
-              <a:t>Example 3: n-queens puzzle</a:t>
+              <a:t>Example 5: n-queens puzzle</a:t>
             </a:r>
             <a:endParaRPr kumimoji="1" lang="zh-CN" altLang="en-US" dirty="0"/>
           </a:p>
@@ -17982,7 +19427,7 @@
 </p:sld>
 </file>
 
-<file path=ppt/slides/slide36.xml><?xml version="1.0" encoding="utf-8"?>
+<file path=ppt/slides/slide38.xml><?xml version="1.0" encoding="utf-8"?>
 <p:sld xmlns:a="http://schemas.openxmlformats.org/drawingml/2006/main" xmlns:r="http://schemas.openxmlformats.org/officeDocument/2006/relationships" xmlns:p="http://schemas.openxmlformats.org/presentationml/2006/main">
   <p:cSld>
     <p:spTree>
@@ -20721,12 +22166,12 @@
           <a:graphicData uri="http://schemas.openxmlformats.org/presentationml/2006/ole">
             <mc:AlternateContent xmlns:mc="http://schemas.openxmlformats.org/markup-compatibility/2006">
               <mc:Choice xmlns:v="urn:schemas-microsoft-com:vml" Requires="v">
-                <p:oleObj spid="_x0000_s1594" name="תרשים" r:id="rId3" imgW="4889500" imgH="3949700" progId="Excel.Chart.8">
+                <p:oleObj name="תרשים" r:id="rId2" imgW="4889500" imgH="3949700" progId="Excel.Chart.8">
                   <p:embed/>
                 </p:oleObj>
               </mc:Choice>
               <mc:Fallback>
-                <p:oleObj name="תרשים" r:id="rId3" imgW="4889500" imgH="3949700" progId="Excel.Chart.8">
+                <p:oleObj name="תרשים" r:id="rId2" imgW="4889500" imgH="3949700" progId="Excel.Chart.8">
                   <p:embed/>
                   <p:pic>
                     <p:nvPicPr>
@@ -20743,7 +22188,7 @@
                       <p:nvPr/>
                     </p:nvPicPr>
                     <p:blipFill>
-                      <a:blip r:embed="rId4">
+                      <a:blip r:embed="rId3">
                         <a:extLst>
                           <a:ext uri="{28A0092B-C50C-407E-A947-70E740481C1C}">
                             <a14:useLocalDpi xmlns:a14="http://schemas.microsoft.com/office/drawing/2010/main" val="0"/>

--- a/courses/theory/slides/lec07-sat.pptx
+++ b/courses/theory/slides/lec07-sat.pptx
@@ -18359,8 +18359,8 @@
         </p:nvSpPr>
         <p:spPr>
           <a:xfrm>
-            <a:off x="5257800" y="3352800"/>
-            <a:ext cx="3686175" cy="2585323"/>
+            <a:off x="5257800" y="3967877"/>
+            <a:ext cx="3686175" cy="2862322"/>
           </a:xfrm>
           <a:prstGeom prst="rect">
             <a:avLst/>
@@ -18375,63 +18375,253 @@
           <a:p>
             <a:r>
               <a:rPr kumimoji="1" lang="en-US" altLang="zh-CN" dirty="0"/>
-              <a:t>3 people Alice, Bob, Carol, take 3 seats.</a:t>
-            </a:r>
-          </a:p>
-          <a:p>
-            <a:r>
-              <a:rPr kumimoji="1" lang="en-US" altLang="zh-CN" dirty="0"/>
-              <a:t>Constraints:</a:t>
-            </a:r>
-          </a:p>
-          <a:p>
-            <a:pPr marL="342900" indent="-342900">
-              <a:buAutoNum type="arabicPeriod"/>
-            </a:pPr>
-            <a:r>
-              <a:rPr kumimoji="1" lang="en-US" altLang="zh-CN" dirty="0"/>
-              <a:t>Alice cannot sit near to Carol;</a:t>
-            </a:r>
-          </a:p>
-          <a:p>
-            <a:pPr marL="342900" indent="-342900">
-              <a:buAutoNum type="arabicPeriod"/>
-            </a:pPr>
-            <a:r>
-              <a:rPr kumimoji="1" lang="en-US" altLang="zh-CN" dirty="0"/>
-              <a:t>Bob cannot sit right to Alice.</a:t>
-            </a:r>
-          </a:p>
-          <a:p>
-            <a:pPr marL="342900" indent="-342900">
-              <a:buAutoNum type="arabicPeriod"/>
-            </a:pPr>
+              <a:t>Problem:</a:t>
+            </a:r>
+            <a:r>
+              <a:rPr kumimoji="1" lang="zh-CN" altLang="en-US" dirty="0"/>
+              <a:t> </a:t>
+            </a:r>
+            <a:r>
+              <a:rPr kumimoji="1" lang="en-US" altLang="zh-CN" dirty="0"/>
+              <a:t>given</a:t>
+            </a:r>
+            <a:r>
+              <a:rPr kumimoji="1" lang="zh-CN" altLang="en-US" dirty="0"/>
+              <a:t> </a:t>
+            </a:r>
+            <a:r>
+              <a:rPr kumimoji="1" lang="en-US" altLang="zh-CN" dirty="0">
+                <a:solidFill>
+                  <a:srgbClr val="0432FF"/>
+                </a:solidFill>
+              </a:rPr>
+              <a:t>n</a:t>
+            </a:r>
+            <a:r>
+              <a:rPr kumimoji="1" lang="zh-CN" altLang="en-US" dirty="0"/>
+              <a:t> </a:t>
+            </a:r>
+            <a:r>
+              <a:rPr kumimoji="1" lang="en-US" altLang="zh-CN" dirty="0"/>
+              <a:t>items</a:t>
+            </a:r>
+            <a:r>
+              <a:rPr kumimoji="1" lang="zh-CN" altLang="en-US" dirty="0"/>
+              <a:t> </a:t>
+            </a:r>
+            <a:r>
+              <a:rPr kumimoji="1" lang="en-US" altLang="zh-CN" dirty="0"/>
+              <a:t>with</a:t>
+            </a:r>
+            <a:r>
+              <a:rPr kumimoji="1" lang="zh-CN" altLang="en-US" dirty="0"/>
+              <a:t> </a:t>
+            </a:r>
+            <a:r>
+              <a:rPr kumimoji="1" lang="en-US" altLang="zh-CN" dirty="0"/>
+              <a:t>weight</a:t>
+            </a:r>
+            <a:r>
+              <a:rPr kumimoji="1" lang="zh-CN" altLang="en-US" dirty="0"/>
+              <a:t> </a:t>
+            </a:r>
+            <a:r>
+              <a:rPr kumimoji="1" lang="en-US" altLang="zh-CN" dirty="0">
+                <a:solidFill>
+                  <a:srgbClr val="0432FF"/>
+                </a:solidFill>
+              </a:rPr>
+              <a:t>W[]</a:t>
+            </a:r>
+            <a:r>
+              <a:rPr kumimoji="1" lang="zh-CN" altLang="en-US" dirty="0"/>
+              <a:t> </a:t>
+            </a:r>
+            <a:r>
+              <a:rPr kumimoji="1" lang="en-US" altLang="zh-CN" dirty="0"/>
+              <a:t>and</a:t>
+            </a:r>
+            <a:r>
+              <a:rPr kumimoji="1" lang="zh-CN" altLang="en-US" dirty="0"/>
+              <a:t> </a:t>
+            </a:r>
+            <a:r>
+              <a:rPr kumimoji="1" lang="en-US" altLang="zh-CN" dirty="0"/>
+              <a:t>value</a:t>
+            </a:r>
+            <a:r>
+              <a:rPr kumimoji="1" lang="zh-CN" altLang="en-US" dirty="0"/>
+              <a:t> </a:t>
+            </a:r>
+            <a:r>
+              <a:rPr kumimoji="1" lang="en-US" altLang="zh-CN" dirty="0">
+                <a:solidFill>
+                  <a:srgbClr val="0432FF"/>
+                </a:solidFill>
+              </a:rPr>
+              <a:t>V[]</a:t>
+            </a:r>
+            <a:r>
+              <a:rPr kumimoji="1" lang="en-US" altLang="zh-CN" dirty="0"/>
+              <a:t>:</a:t>
+            </a:r>
+          </a:p>
+          <a:p>
             <a:endParaRPr kumimoji="1" lang="en-US" altLang="zh-CN" dirty="0"/>
           </a:p>
           <a:p>
-            <a:r>
-              <a:rPr kumimoji="1" lang="en-US" altLang="zh-CN" dirty="0"/>
-              <a:t>Question:</a:t>
-            </a:r>
-          </a:p>
-          <a:p>
-            <a:pPr marL="342900" indent="-342900">
-              <a:buAutoNum type="arabicPeriod"/>
-            </a:pPr>
-            <a:r>
-              <a:rPr kumimoji="1" lang="en-US" altLang="zh-CN" dirty="0"/>
-              <a:t>Is there any solution?</a:t>
-            </a:r>
-          </a:p>
-          <a:p>
-            <a:pPr marL="342900" indent="-342900">
-              <a:buAutoNum type="arabicPeriod"/>
-            </a:pPr>
-            <a:r>
-              <a:rPr kumimoji="1" lang="en-US" altLang="zh-CN" dirty="0"/>
-              <a:t>How many solutions in total?</a:t>
-            </a:r>
-            <a:endParaRPr kumimoji="1" lang="zh-CN" altLang="en-US" dirty="0"/>
+            <a:endParaRPr kumimoji="1" lang="en-US" altLang="zh-CN" dirty="0"/>
+          </a:p>
+          <a:p>
+            <a:endParaRPr kumimoji="1" lang="en-US" altLang="zh-CN" dirty="0"/>
+          </a:p>
+          <a:p>
+            <a:endParaRPr kumimoji="1" lang="en-US" altLang="zh-CN" dirty="0"/>
+          </a:p>
+          <a:p>
+            <a:endParaRPr kumimoji="1" lang="en-US" altLang="zh-CN" dirty="0"/>
+          </a:p>
+          <a:p>
+            <a:r>
+              <a:rPr kumimoji="1" lang="en-US" altLang="zh-CN" dirty="0"/>
+              <a:t>For</a:t>
+            </a:r>
+            <a:r>
+              <a:rPr kumimoji="1" lang="zh-CN" altLang="en-US" dirty="0"/>
+              <a:t> </a:t>
+            </a:r>
+            <a:r>
+              <a:rPr kumimoji="1" lang="en-US" altLang="zh-CN" dirty="0"/>
+              <a:t>a</a:t>
+            </a:r>
+            <a:r>
+              <a:rPr kumimoji="1" lang="zh-CN" altLang="en-US" dirty="0"/>
+              <a:t> </a:t>
+            </a:r>
+            <a:r>
+              <a:rPr kumimoji="1" lang="en-US" altLang="zh-CN" dirty="0"/>
+              <a:t>knapsack</a:t>
+            </a:r>
+            <a:r>
+              <a:rPr kumimoji="1" lang="zh-CN" altLang="en-US" dirty="0"/>
+              <a:t> </a:t>
+            </a:r>
+            <a:r>
+              <a:rPr kumimoji="1" lang="en-US" altLang="zh-CN" dirty="0"/>
+              <a:t>of</a:t>
+            </a:r>
+            <a:r>
+              <a:rPr kumimoji="1" lang="zh-CN" altLang="en-US" dirty="0"/>
+              <a:t> </a:t>
+            </a:r>
+            <a:r>
+              <a:rPr kumimoji="1" lang="en-US" altLang="zh-CN" dirty="0"/>
+              <a:t>maximal</a:t>
+            </a:r>
+            <a:r>
+              <a:rPr kumimoji="1" lang="zh-CN" altLang="en-US" dirty="0"/>
+              <a:t> </a:t>
+            </a:r>
+            <a:r>
+              <a:rPr kumimoji="1" lang="en-US" altLang="zh-CN" dirty="0"/>
+              <a:t>weight</a:t>
+            </a:r>
+            <a:r>
+              <a:rPr kumimoji="1" lang="zh-CN" altLang="en-US" dirty="0"/>
+              <a:t> </a:t>
+            </a:r>
+            <a:r>
+              <a:rPr kumimoji="1" lang="en-US" altLang="zh-CN" dirty="0">
+                <a:solidFill>
+                  <a:srgbClr val="0432FF"/>
+                </a:solidFill>
+              </a:rPr>
+              <a:t>C</a:t>
+            </a:r>
+            <a:r>
+              <a:rPr kumimoji="1" lang="en-US" altLang="zh-CN" dirty="0"/>
+              <a:t>,</a:t>
+            </a:r>
+            <a:r>
+              <a:rPr kumimoji="1" lang="zh-CN" altLang="en-US" dirty="0"/>
+              <a:t> </a:t>
+            </a:r>
+            <a:r>
+              <a:rPr kumimoji="1" lang="en-US" altLang="zh-CN" dirty="0"/>
+              <a:t>how</a:t>
+            </a:r>
+            <a:r>
+              <a:rPr kumimoji="1" lang="zh-CN" altLang="en-US" dirty="0"/>
+              <a:t> </a:t>
+            </a:r>
+            <a:r>
+              <a:rPr kumimoji="1" lang="en-US" altLang="zh-CN" dirty="0"/>
+              <a:t>to</a:t>
+            </a:r>
+            <a:r>
+              <a:rPr kumimoji="1" lang="zh-CN" altLang="en-US" dirty="0"/>
+              <a:t> </a:t>
+            </a:r>
+            <a:r>
+              <a:rPr kumimoji="1" lang="en-US" altLang="zh-CN" dirty="0"/>
+              <a:t>select</a:t>
+            </a:r>
+            <a:r>
+              <a:rPr kumimoji="1" lang="zh-CN" altLang="en-US" dirty="0"/>
+              <a:t> </a:t>
+            </a:r>
+            <a:r>
+              <a:rPr kumimoji="1" lang="en-US" altLang="zh-CN" dirty="0"/>
+              <a:t>some</a:t>
+            </a:r>
+            <a:r>
+              <a:rPr kumimoji="1" lang="zh-CN" altLang="en-US" dirty="0"/>
+              <a:t> </a:t>
+            </a:r>
+            <a:r>
+              <a:rPr kumimoji="1" lang="en-US" altLang="zh-CN" dirty="0"/>
+              <a:t>items</a:t>
+            </a:r>
+            <a:r>
+              <a:rPr kumimoji="1" lang="zh-CN" altLang="en-US" dirty="0"/>
+              <a:t> </a:t>
+            </a:r>
+            <a:r>
+              <a:rPr kumimoji="1" lang="en-US" altLang="zh-CN" dirty="0"/>
+              <a:t>to</a:t>
+            </a:r>
+            <a:r>
+              <a:rPr kumimoji="1" lang="zh-CN" altLang="en-US" dirty="0"/>
+              <a:t> </a:t>
+            </a:r>
+            <a:r>
+              <a:rPr kumimoji="1" lang="en-US" altLang="zh-CN" dirty="0"/>
+              <a:t>maximize</a:t>
+            </a:r>
+            <a:r>
+              <a:rPr kumimoji="1" lang="zh-CN" altLang="en-US" dirty="0"/>
+              <a:t> </a:t>
+            </a:r>
+            <a:r>
+              <a:rPr kumimoji="1" lang="zh-CN" altLang="en-US" dirty="0">
+                <a:solidFill>
+                  <a:srgbClr val="0432FF"/>
+                </a:solidFill>
+              </a:rPr>
+              <a:t>∑ </a:t>
+            </a:r>
+            <a:r>
+              <a:rPr kumimoji="1" lang="en-US" altLang="zh-CN" dirty="0">
+                <a:solidFill>
+                  <a:srgbClr val="0432FF"/>
+                </a:solidFill>
+              </a:rPr>
+              <a:t>V[]</a:t>
+            </a:r>
+            <a:r>
+              <a:rPr kumimoji="1" lang="en-US" altLang="zh-CN" dirty="0"/>
+              <a:t>.</a:t>
+            </a:r>
           </a:p>
         </p:txBody>
       </p:sp>
@@ -18450,7 +18640,7 @@
         <p:spPr>
           <a:xfrm>
             <a:off x="304800" y="1905000"/>
-            <a:ext cx="4724400" cy="5078313"/>
+            <a:ext cx="4724400" cy="1754326"/>
           </a:xfrm>
           <a:prstGeom prst="rect">
             <a:avLst/>
@@ -18465,7 +18655,111 @@
           <a:p>
             <a:r>
               <a:rPr kumimoji="1" lang="en-US" altLang="zh-CN" dirty="0"/>
-              <a:t>Modeling the problem:</a:t>
+              <a:t>We</a:t>
+            </a:r>
+            <a:r>
+              <a:rPr kumimoji="1" lang="zh-CN" altLang="en-US" dirty="0"/>
+              <a:t> </a:t>
+            </a:r>
+            <a:r>
+              <a:rPr kumimoji="1" lang="en-US" altLang="zh-CN" dirty="0"/>
+              <a:t>model</a:t>
+            </a:r>
+            <a:r>
+              <a:rPr kumimoji="1" lang="zh-CN" altLang="en-US" dirty="0"/>
+              <a:t> </a:t>
+            </a:r>
+            <a:r>
+              <a:rPr kumimoji="1" lang="en-US" altLang="zh-CN" dirty="0"/>
+              <a:t>the</a:t>
+            </a:r>
+            <a:r>
+              <a:rPr kumimoji="1" lang="zh-CN" altLang="en-US" dirty="0"/>
+              <a:t> </a:t>
+            </a:r>
+            <a:r>
+              <a:rPr kumimoji="1" lang="en-US" altLang="zh-CN" dirty="0"/>
+              <a:t>existence</a:t>
+            </a:r>
+            <a:r>
+              <a:rPr kumimoji="1" lang="zh-CN" altLang="en-US" dirty="0"/>
+              <a:t> </a:t>
+            </a:r>
+            <a:r>
+              <a:rPr kumimoji="1" lang="en-US" altLang="zh-CN" dirty="0"/>
+              <a:t>part</a:t>
+            </a:r>
+            <a:r>
+              <a:rPr kumimoji="1" lang="zh-CN" altLang="en-US" dirty="0"/>
+              <a:t> </a:t>
+            </a:r>
+            <a:r>
+              <a:rPr kumimoji="1" lang="en-US" altLang="zh-CN" dirty="0"/>
+              <a:t>(i.e.,</a:t>
+            </a:r>
+            <a:r>
+              <a:rPr kumimoji="1" lang="zh-CN" altLang="en-US" dirty="0"/>
+              <a:t> </a:t>
+            </a:r>
+            <a:r>
+              <a:rPr kumimoji="1" lang="en-US" altLang="zh-CN" dirty="0"/>
+              <a:t>without</a:t>
+            </a:r>
+            <a:r>
+              <a:rPr kumimoji="1" lang="zh-CN" altLang="en-US" dirty="0"/>
+              <a:t> </a:t>
+            </a:r>
+            <a:r>
+              <a:rPr kumimoji="1" lang="en-US" altLang="zh-CN" dirty="0"/>
+              <a:t>the</a:t>
+            </a:r>
+            <a:r>
+              <a:rPr kumimoji="1" lang="zh-CN" altLang="en-US" dirty="0"/>
+              <a:t> </a:t>
+            </a:r>
+            <a:r>
+              <a:rPr kumimoji="1" lang="en-US" altLang="zh-CN" dirty="0"/>
+              <a:t>target</a:t>
+            </a:r>
+            <a:r>
+              <a:rPr kumimoji="1" lang="zh-CN" altLang="en-US" dirty="0"/>
+              <a:t> </a:t>
+            </a:r>
+            <a:r>
+              <a:rPr kumimoji="1" lang="en-US" altLang="zh-CN" dirty="0"/>
+              <a:t>function)</a:t>
+            </a:r>
+            <a:r>
+              <a:rPr kumimoji="1" lang="zh-CN" altLang="en-US" dirty="0"/>
+              <a:t> </a:t>
+            </a:r>
+            <a:r>
+              <a:rPr kumimoji="1" lang="en-US" altLang="zh-CN" dirty="0"/>
+              <a:t>of</a:t>
+            </a:r>
+            <a:r>
+              <a:rPr kumimoji="1" lang="zh-CN" altLang="en-US" dirty="0"/>
+              <a:t> </a:t>
+            </a:r>
+            <a:r>
+              <a:rPr kumimoji="1" lang="en-US" altLang="zh-CN" dirty="0"/>
+              <a:t>knapsack</a:t>
+            </a:r>
+            <a:r>
+              <a:rPr kumimoji="1" lang="zh-CN" altLang="en-US" dirty="0"/>
+              <a:t> </a:t>
+            </a:r>
+            <a:r>
+              <a:rPr kumimoji="1" lang="en-US" altLang="zh-CN" dirty="0"/>
+              <a:t>with</a:t>
+            </a:r>
+            <a:r>
+              <a:rPr kumimoji="1" lang="zh-CN" altLang="en-US" dirty="0"/>
+              <a:t> </a:t>
+            </a:r>
+            <a:r>
+              <a:rPr kumimoji="1" lang="en-US" altLang="zh-CN" dirty="0"/>
+              <a:t>SAT:</a:t>
             </a:r>
           </a:p>
           <a:p>
@@ -18473,40 +18767,76 @@
               <a:buAutoNum type="arabicPeriod"/>
             </a:pPr>
             <a:r>
-              <a:rPr kumimoji="1" lang="en-US" altLang="zh-CN" dirty="0"/>
-              <a:t>Ai: Alice takes seat Ai</a:t>
-            </a:r>
-          </a:p>
-          <a:p>
-            <a:pPr marL="342900" indent="-342900">
-              <a:buAutoNum type="arabicPeriod"/>
-            </a:pPr>
-            <a:r>
-              <a:rPr kumimoji="1" lang="en-US" altLang="zh-CN" dirty="0"/>
-              <a:t>Bi: Bob takes seat Bi</a:t>
-            </a:r>
-          </a:p>
-          <a:p>
-            <a:pPr marL="342900" indent="-342900">
-              <a:buAutoNum type="arabicPeriod"/>
-            </a:pPr>
-            <a:r>
-              <a:rPr kumimoji="1" lang="en-US" altLang="zh-CN" dirty="0"/>
-              <a:t>Ci: Bob take the seat Ci</a:t>
-            </a:r>
-          </a:p>
-          <a:p>
-            <a:r>
-              <a:rPr kumimoji="1" lang="en-US" altLang="zh-CN" dirty="0"/>
-              <a:t>Where 1&lt;=</a:t>
-            </a:r>
-            <a:r>
-              <a:rPr kumimoji="1" lang="en-US" altLang="zh-CN" dirty="0" err="1"/>
+              <a:rPr kumimoji="1" lang="en-US" altLang="zh-CN" dirty="0" err="1">
+                <a:solidFill>
+                  <a:srgbClr val="0432FF"/>
+                </a:solidFill>
+              </a:rPr>
+              <a:t>x_i</a:t>
+            </a:r>
+            <a:r>
+              <a:rPr kumimoji="1" lang="en-US" altLang="zh-CN" dirty="0"/>
+              <a:t>:</a:t>
+            </a:r>
+            <a:r>
+              <a:rPr kumimoji="1" lang="zh-CN" altLang="en-US" dirty="0"/>
+              <a:t> </a:t>
+            </a:r>
+            <a:r>
+              <a:rPr kumimoji="1" lang="en-US" altLang="zh-CN" dirty="0"/>
+              <a:t>whether</a:t>
+            </a:r>
+            <a:r>
+              <a:rPr kumimoji="1" lang="zh-CN" altLang="en-US" dirty="0"/>
+              <a:t> </a:t>
+            </a:r>
+            <a:r>
+              <a:rPr kumimoji="1" lang="en-US" altLang="zh-CN" dirty="0"/>
+              <a:t>to</a:t>
+            </a:r>
+            <a:r>
+              <a:rPr kumimoji="1" lang="zh-CN" altLang="en-US" dirty="0"/>
+              <a:t> </a:t>
+            </a:r>
+            <a:r>
+              <a:rPr kumimoji="1" lang="en-US" altLang="zh-CN" dirty="0"/>
+              <a:t>select</a:t>
+            </a:r>
+            <a:r>
+              <a:rPr kumimoji="1" lang="zh-CN" altLang="en-US" dirty="0"/>
+              <a:t> </a:t>
+            </a:r>
+            <a:r>
+              <a:rPr kumimoji="1" lang="en-US" altLang="zh-CN" dirty="0"/>
+              <a:t>the</a:t>
+            </a:r>
+            <a:r>
+              <a:rPr kumimoji="1" lang="zh-CN" altLang="en-US" dirty="0"/>
+              <a:t> </a:t>
+            </a:r>
+            <a:r>
+              <a:rPr kumimoji="1" lang="en-US" altLang="zh-CN" dirty="0" err="1">
+                <a:solidFill>
+                  <a:srgbClr val="0432FF"/>
+                </a:solidFill>
+              </a:rPr>
               <a:t>i</a:t>
             </a:r>
             <a:r>
-              <a:rPr kumimoji="1" lang="en-US" altLang="zh-CN" dirty="0"/>
-              <a:t>&lt;=3.</a:t>
+              <a:rPr kumimoji="1" lang="en-US" altLang="zh-CN" baseline="30000" dirty="0" err="1">
+                <a:solidFill>
+                  <a:srgbClr val="0432FF"/>
+                </a:solidFill>
+              </a:rPr>
+              <a:t>th</a:t>
+            </a:r>
+            <a:r>
+              <a:rPr kumimoji="1" lang="zh-CN" altLang="en-US" dirty="0"/>
+              <a:t> </a:t>
+            </a:r>
+            <a:r>
+              <a:rPr kumimoji="1" lang="en-US" altLang="zh-CN" dirty="0"/>
+              <a:t>item.</a:t>
             </a:r>
           </a:p>
           <a:p>
@@ -18515,93 +18845,160 @@
           <a:p>
             <a:r>
               <a:rPr kumimoji="1" lang="en-US" altLang="zh-CN" dirty="0"/>
-              <a:t>Modeling the constraint:</a:t>
-            </a:r>
-          </a:p>
-          <a:p>
-            <a:pPr marL="342900" indent="-342900">
-              <a:buAutoNum type="arabicPeriod"/>
-            </a:pPr>
-            <a:r>
-              <a:rPr kumimoji="1" lang="en-US" altLang="zh-CN" dirty="0"/>
-              <a:t>Alice must take just one seat:</a:t>
-            </a:r>
-          </a:p>
-          <a:p>
+              <a:t>We</a:t>
+            </a:r>
+            <a:r>
+              <a:rPr kumimoji="1" lang="zh-CN" altLang="en-US" dirty="0"/>
+              <a:t> </a:t>
+            </a:r>
+            <a:r>
+              <a:rPr kumimoji="1" lang="en-US" altLang="zh-CN" dirty="0"/>
+              <a:t>have</a:t>
+            </a:r>
+            <a:r>
+              <a:rPr kumimoji="1" lang="zh-CN" altLang="en-US" dirty="0"/>
+              <a:t> </a:t>
+            </a:r>
+            <a:r>
+              <a:rPr kumimoji="1" lang="en-US" altLang="zh-CN" dirty="0"/>
+              <a:t>the</a:t>
+            </a:r>
+            <a:r>
+              <a:rPr kumimoji="1" lang="zh-CN" altLang="en-US" dirty="0"/>
+              <a:t> </a:t>
+            </a:r>
+            <a:r>
+              <a:rPr kumimoji="1" lang="en-US" altLang="zh-CN" dirty="0"/>
+              <a:t>constraint:</a:t>
+            </a:r>
+          </a:p>
+          <a:p>
+            <a:r>
+              <a:rPr kumimoji="1" lang="zh-CN" altLang="en-US" dirty="0">
+                <a:solidFill>
+                  <a:srgbClr val="0432FF"/>
+                </a:solidFill>
+              </a:rPr>
+              <a:t>∑</a:t>
+            </a:r>
             <a:r>
               <a:rPr kumimoji="1" lang="en-US" altLang="zh-CN" dirty="0">
                 <a:solidFill>
                   <a:srgbClr val="0432FF"/>
                 </a:solidFill>
               </a:rPr>
-              <a:t>(A1/\~A2/\~A3) \/ (~A1/\A2/\~A3) \/ (~A1/\~A2/\A3)</a:t>
-            </a:r>
-          </a:p>
-          <a:p>
-            <a:r>
-              <a:rPr kumimoji="1" lang="en-US" altLang="zh-CN" dirty="0"/>
-              <a:t>2. Bob (Carol) takes just one seat:</a:t>
-            </a:r>
-          </a:p>
-          <a:p>
-            <a:r>
-              <a:rPr kumimoji="1" lang="en-US" altLang="zh-CN" dirty="0"/>
-              <a:t>…</a:t>
-            </a:r>
-          </a:p>
-          <a:p>
-            <a:r>
-              <a:rPr kumimoji="1" lang="en-US" altLang="zh-CN" dirty="0"/>
-              <a:t>3. The 1</a:t>
-            </a:r>
-            <a:r>
-              <a:rPr kumimoji="1" lang="en-US" altLang="zh-CN" baseline="30000" dirty="0"/>
-              <a:t>st</a:t>
-            </a:r>
-            <a:r>
-              <a:rPr kumimoji="1" lang="en-US" altLang="zh-CN" dirty="0"/>
-              <a:t> seat just taken by 1 person:</a:t>
-            </a:r>
-          </a:p>
-          <a:p>
+              <a:t>(If(</a:t>
+            </a:r>
+            <a:r>
+              <a:rPr kumimoji="1" lang="en-US" altLang="zh-CN" dirty="0" err="1">
+                <a:solidFill>
+                  <a:srgbClr val="0432FF"/>
+                </a:solidFill>
+              </a:rPr>
+              <a:t>x_i</a:t>
+            </a:r>
             <a:r>
               <a:rPr kumimoji="1" lang="en-US" altLang="zh-CN" dirty="0">
                 <a:solidFill>
                   <a:srgbClr val="0432FF"/>
                 </a:solidFill>
               </a:rPr>
-              <a:t>(A1/\~B1/\~C1) \/ (~A1/\B1/\~C1) \/ (~A1/\~B1/\C1)</a:t>
-            </a:r>
-          </a:p>
-          <a:p>
-            <a:r>
-              <a:rPr kumimoji="1" lang="en-US" altLang="zh-CN" dirty="0"/>
-              <a:t>4. Alice cannot sit near to Carol:</a:t>
-            </a:r>
-          </a:p>
-          <a:p>
+              <a:t>),</a:t>
+            </a:r>
+            <a:r>
+              <a:rPr kumimoji="1" lang="zh-CN" altLang="en-US" dirty="0">
+                <a:solidFill>
+                  <a:srgbClr val="0432FF"/>
+                </a:solidFill>
+              </a:rPr>
+              <a:t> </a:t>
+            </a:r>
             <a:r>
               <a:rPr kumimoji="1" lang="en-US" altLang="zh-CN" dirty="0">
                 <a:solidFill>
                   <a:srgbClr val="0432FF"/>
                 </a:solidFill>
               </a:rPr>
-              <a:t>(A1-&gt;~B2)/\(A2-&gt;~B1)/\(A2-&gt;~B3)/\(A3-&gt;~B2)</a:t>
+              <a:t>W[</a:t>
+            </a:r>
+            <a:r>
+              <a:rPr kumimoji="1" lang="en-US" altLang="zh-CN" dirty="0" err="1">
+                <a:solidFill>
+                  <a:srgbClr val="0432FF"/>
+                </a:solidFill>
+              </a:rPr>
+              <a:t>i</a:t>
+            </a:r>
+            <a:r>
+              <a:rPr kumimoji="1" lang="en-US" altLang="zh-CN" dirty="0">
+                <a:solidFill>
+                  <a:srgbClr val="0432FF"/>
+                </a:solidFill>
+              </a:rPr>
+              <a:t>],</a:t>
+            </a:r>
+            <a:r>
+              <a:rPr kumimoji="1" lang="zh-CN" altLang="en-US" dirty="0">
+                <a:solidFill>
+                  <a:srgbClr val="0432FF"/>
+                </a:solidFill>
+              </a:rPr>
+              <a:t> </a:t>
+            </a:r>
+            <a:r>
+              <a:rPr kumimoji="1" lang="en-US" altLang="zh-CN" dirty="0">
+                <a:solidFill>
+                  <a:srgbClr val="0432FF"/>
+                </a:solidFill>
+              </a:rPr>
+              <a:t>0)</a:t>
+            </a:r>
+            <a:r>
+              <a:rPr kumimoji="1" lang="zh-CN" altLang="en-US" dirty="0">
+                <a:solidFill>
+                  <a:srgbClr val="0432FF"/>
+                </a:solidFill>
+              </a:rPr>
+              <a:t> </a:t>
+            </a:r>
+            <a:r>
+              <a:rPr kumimoji="1" lang="en-US" altLang="zh-CN" dirty="0">
+                <a:solidFill>
+                  <a:srgbClr val="0432FF"/>
+                </a:solidFill>
+              </a:rPr>
+              <a:t>&lt;=</a:t>
+            </a:r>
+            <a:r>
+              <a:rPr kumimoji="1" lang="zh-CN" altLang="en-US" dirty="0">
+                <a:solidFill>
+                  <a:srgbClr val="0432FF"/>
+                </a:solidFill>
+              </a:rPr>
+              <a:t> </a:t>
+            </a:r>
+            <a:r>
+              <a:rPr kumimoji="1" lang="en-US" altLang="zh-CN" dirty="0">
+                <a:solidFill>
+                  <a:srgbClr val="0432FF"/>
+                </a:solidFill>
+              </a:rPr>
+              <a:t>C</a:t>
             </a:r>
           </a:p>
         </p:txBody>
       </p:sp>
       <p:pic>
         <p:nvPicPr>
-          <p:cNvPr id="4" name="图片 3">
+          <p:cNvPr id="1026" name="Picture 2">
             <a:extLst>
               <a:ext uri="{FF2B5EF4-FFF2-40B4-BE49-F238E27FC236}">
-                <a16:creationId xmlns:a16="http://schemas.microsoft.com/office/drawing/2014/main" id="{8C22EFAF-C5C2-C4EF-088F-6D8E26560C5E}"/>
+                <a16:creationId xmlns:a16="http://schemas.microsoft.com/office/drawing/2014/main" id="{AD69DB08-1F0B-821A-C25F-C4184CAC79A9}"/>
               </a:ext>
             </a:extLst>
           </p:cNvPr>
           <p:cNvPicPr>
-            <a:picLocks noChangeAspect="1"/>
+            <a:picLocks noChangeAspect="1" noChangeArrowheads="1"/>
           </p:cNvPicPr>
           <p:nvPr/>
         </p:nvPicPr>
@@ -18613,92 +19010,280 @@
               </a:ext>
             </a:extLst>
           </a:blip>
+          <a:srcRect/>
           <a:stretch>
             <a:fillRect/>
           </a:stretch>
         </p:blipFill>
-        <p:spPr>
+        <p:spPr bwMode="auto">
           <a:xfrm>
-            <a:off x="5257800" y="1968500"/>
-            <a:ext cx="1079500" cy="1079500"/>
+            <a:off x="5867400" y="1878904"/>
+            <a:ext cx="2289804" cy="1987550"/>
           </a:xfrm>
           <a:prstGeom prst="rect">
             <a:avLst/>
           </a:prstGeom>
+          <a:noFill/>
+          <a:extLst>
+            <a:ext uri="{909E8E84-426E-40DD-AFC4-6F175D3DCCD1}">
+              <a14:hiddenFill xmlns:a14="http://schemas.microsoft.com/office/drawing/2010/main">
+                <a:solidFill>
+                  <a:srgbClr val="FFFFFF"/>
+                </a:solidFill>
+              </a14:hiddenFill>
+            </a:ext>
+          </a:extLst>
         </p:spPr>
       </p:pic>
-      <p:pic>
-        <p:nvPicPr>
-          <p:cNvPr id="10" name="图片 9">
+      <p:graphicFrame>
+        <p:nvGraphicFramePr>
+          <p:cNvPr id="3" name="表格 2">
             <a:extLst>
               <a:ext uri="{FF2B5EF4-FFF2-40B4-BE49-F238E27FC236}">
-                <a16:creationId xmlns:a16="http://schemas.microsoft.com/office/drawing/2014/main" id="{CDC3F050-25DC-FE67-7B39-C344163EFDF7}"/>
+                <a16:creationId xmlns:a16="http://schemas.microsoft.com/office/drawing/2014/main" id="{0D067AB0-272A-2F6D-F483-489A748C3BB8}"/>
               </a:ext>
             </a:extLst>
           </p:cNvPr>
-          <p:cNvPicPr>
-            <a:picLocks noChangeAspect="1"/>
-          </p:cNvPicPr>
-          <p:nvPr/>
-        </p:nvPicPr>
-        <p:blipFill>
-          <a:blip r:embed="rId2">
-            <a:extLst>
-              <a:ext uri="{28A0092B-C50C-407E-A947-70E740481C1C}">
-                <a14:useLocalDpi xmlns:a14="http://schemas.microsoft.com/office/drawing/2010/main" val="0"/>
-              </a:ext>
-            </a:extLst>
-          </a:blip>
-          <a:stretch>
-            <a:fillRect/>
-          </a:stretch>
-        </p:blipFill>
-        <p:spPr>
-          <a:xfrm>
-            <a:off x="6464300" y="1981200"/>
-            <a:ext cx="1079500" cy="1079500"/>
-          </a:xfrm>
-          <a:prstGeom prst="rect">
-            <a:avLst/>
-          </a:prstGeom>
-        </p:spPr>
-      </p:pic>
-      <p:pic>
-        <p:nvPicPr>
-          <p:cNvPr id="11" name="图片 10">
-            <a:extLst>
-              <a:ext uri="{FF2B5EF4-FFF2-40B4-BE49-F238E27FC236}">
-                <a16:creationId xmlns:a16="http://schemas.microsoft.com/office/drawing/2014/main" id="{977DBC2B-FA40-A162-6565-A5F188958C96}"/>
-              </a:ext>
-            </a:extLst>
-          </p:cNvPr>
-          <p:cNvPicPr>
-            <a:picLocks noChangeAspect="1"/>
-          </p:cNvPicPr>
-          <p:nvPr/>
-        </p:nvPicPr>
-        <p:blipFill>
-          <a:blip r:embed="rId2">
-            <a:extLst>
-              <a:ext uri="{28A0092B-C50C-407E-A947-70E740481C1C}">
-                <a14:useLocalDpi xmlns:a14="http://schemas.microsoft.com/office/drawing/2010/main" val="0"/>
-              </a:ext>
-            </a:extLst>
-          </a:blip>
-          <a:stretch>
-            <a:fillRect/>
-          </a:stretch>
-        </p:blipFill>
-        <p:spPr>
-          <a:xfrm>
-            <a:off x="7620000" y="1981200"/>
-            <a:ext cx="1079500" cy="1079500"/>
-          </a:xfrm>
-          <a:prstGeom prst="rect">
-            <a:avLst/>
-          </a:prstGeom>
-        </p:spPr>
-      </p:pic>
+          <p:cNvGraphicFramePr>
+            <a:graphicFrameLocks noGrp="1"/>
+          </p:cNvGraphicFramePr>
+          <p:nvPr>
+            <p:extLst>
+              <p:ext uri="{D42A27DB-BD31-4B8C-83A1-F6EECF244321}">
+                <p14:modId xmlns:p14="http://schemas.microsoft.com/office/powerpoint/2010/main" val="1185324620"/>
+              </p:ext>
+            </p:extLst>
+          </p:nvPr>
+        </p:nvGraphicFramePr>
+        <p:xfrm>
+          <a:off x="5606732" y="4572000"/>
+          <a:ext cx="2851468" cy="1112520"/>
+        </p:xfrm>
+        <a:graphic>
+          <a:graphicData uri="http://schemas.openxmlformats.org/drawingml/2006/table">
+            <a:tbl>
+              <a:tblPr firstRow="1" bandRow="1">
+                <a:tableStyleId>{5C22544A-7EE6-4342-B048-85BDC9FD1C3A}</a:tableStyleId>
+              </a:tblPr>
+              <a:tblGrid>
+                <a:gridCol w="508318">
+                  <a:extLst>
+                    <a:ext uri="{9D8B030D-6E8A-4147-A177-3AD203B41FA5}">
+                      <a16:colId xmlns:a16="http://schemas.microsoft.com/office/drawing/2014/main" val="20000"/>
+                    </a:ext>
+                  </a:extLst>
+                </a:gridCol>
+                <a:gridCol w="781050">
+                  <a:extLst>
+                    <a:ext uri="{9D8B030D-6E8A-4147-A177-3AD203B41FA5}">
+                      <a16:colId xmlns:a16="http://schemas.microsoft.com/office/drawing/2014/main" val="20001"/>
+                    </a:ext>
+                  </a:extLst>
+                </a:gridCol>
+                <a:gridCol w="781050">
+                  <a:extLst>
+                    <a:ext uri="{9D8B030D-6E8A-4147-A177-3AD203B41FA5}">
+                      <a16:colId xmlns:a16="http://schemas.microsoft.com/office/drawing/2014/main" val="20002"/>
+                    </a:ext>
+                  </a:extLst>
+                </a:gridCol>
+                <a:gridCol w="781050">
+                  <a:extLst>
+                    <a:ext uri="{9D8B030D-6E8A-4147-A177-3AD203B41FA5}">
+                      <a16:colId xmlns:a16="http://schemas.microsoft.com/office/drawing/2014/main" val="20003"/>
+                    </a:ext>
+                  </a:extLst>
+                </a:gridCol>
+              </a:tblGrid>
+              <a:tr h="370840">
+                <a:tc>
+                  <a:txBody>
+                    <a:bodyPr/>
+                    <a:lstStyle/>
+                    <a:p>
+                      <a:endParaRPr lang="zh-CN" altLang="en-US" dirty="0"/>
+                    </a:p>
+                  </a:txBody>
+                  <a:tcPr/>
+                </a:tc>
+                <a:tc>
+                  <a:txBody>
+                    <a:bodyPr/>
+                    <a:lstStyle/>
+                    <a:p>
+                      <a:r>
+                        <a:rPr lang="en-US" altLang="zh-CN" dirty="0"/>
+                        <a:t>t1</a:t>
+                      </a:r>
+                      <a:endParaRPr lang="zh-CN" altLang="en-US" dirty="0"/>
+                    </a:p>
+                  </a:txBody>
+                  <a:tcPr/>
+                </a:tc>
+                <a:tc>
+                  <a:txBody>
+                    <a:bodyPr/>
+                    <a:lstStyle/>
+                    <a:p>
+                      <a:r>
+                        <a:rPr lang="en-US" altLang="zh-CN" dirty="0"/>
+                        <a:t>…</a:t>
+                      </a:r>
+                      <a:endParaRPr lang="zh-CN" altLang="en-US" dirty="0"/>
+                    </a:p>
+                  </a:txBody>
+                  <a:tcPr/>
+                </a:tc>
+                <a:tc>
+                  <a:txBody>
+                    <a:bodyPr/>
+                    <a:lstStyle/>
+                    <a:p>
+                      <a:r>
+                        <a:rPr lang="en-US" altLang="zh-CN" dirty="0" err="1"/>
+                        <a:t>tn</a:t>
+                      </a:r>
+                      <a:endParaRPr lang="zh-CN" altLang="en-US" dirty="0"/>
+                    </a:p>
+                  </a:txBody>
+                  <a:tcPr/>
+                </a:tc>
+                <a:extLst>
+                  <a:ext uri="{0D108BD9-81ED-4DB2-BD59-A6C34878D82A}">
+                    <a16:rowId xmlns:a16="http://schemas.microsoft.com/office/drawing/2014/main" val="10000"/>
+                  </a:ext>
+                </a:extLst>
+              </a:tr>
+              <a:tr h="370840">
+                <a:tc>
+                  <a:txBody>
+                    <a:bodyPr/>
+                    <a:lstStyle/>
+                    <a:p>
+                      <a:r>
+                        <a:rPr lang="en-US" altLang="zh-CN" dirty="0"/>
+                        <a:t>V</a:t>
+                      </a:r>
+                      <a:endParaRPr lang="zh-CN" altLang="en-US" dirty="0"/>
+                    </a:p>
+                  </a:txBody>
+                  <a:tcPr/>
+                </a:tc>
+                <a:tc>
+                  <a:txBody>
+                    <a:bodyPr/>
+                    <a:lstStyle/>
+                    <a:p>
+                      <a:r>
+                        <a:rPr lang="en-US" altLang="zh-CN" dirty="0"/>
+                        <a:t>v1</a:t>
+                      </a:r>
+                      <a:endParaRPr lang="zh-CN" altLang="en-US" dirty="0"/>
+                    </a:p>
+                  </a:txBody>
+                  <a:tcPr/>
+                </a:tc>
+                <a:tc>
+                  <a:txBody>
+                    <a:bodyPr/>
+                    <a:lstStyle/>
+                    <a:p>
+                      <a:r>
+                        <a:rPr lang="en-US" altLang="zh-CN" dirty="0"/>
+                        <a:t>…</a:t>
+                      </a:r>
+                      <a:endParaRPr lang="zh-CN" altLang="en-US" dirty="0"/>
+                    </a:p>
+                  </a:txBody>
+                  <a:tcPr/>
+                </a:tc>
+                <a:tc>
+                  <a:txBody>
+                    <a:bodyPr/>
+                    <a:lstStyle/>
+                    <a:p>
+                      <a:r>
+                        <a:rPr lang="en-US" altLang="zh-CN" dirty="0" err="1"/>
+                        <a:t>vn</a:t>
+                      </a:r>
+                      <a:endParaRPr lang="zh-CN" altLang="en-US" dirty="0"/>
+                    </a:p>
+                  </a:txBody>
+                  <a:tcPr/>
+                </a:tc>
+                <a:extLst>
+                  <a:ext uri="{0D108BD9-81ED-4DB2-BD59-A6C34878D82A}">
+                    <a16:rowId xmlns:a16="http://schemas.microsoft.com/office/drawing/2014/main" val="10001"/>
+                  </a:ext>
+                </a:extLst>
+              </a:tr>
+              <a:tr h="370840">
+                <a:tc>
+                  <a:txBody>
+                    <a:bodyPr/>
+                    <a:lstStyle/>
+                    <a:p>
+                      <a:r>
+                        <a:rPr lang="en-US" altLang="zh-CN" dirty="0"/>
+                        <a:t>W</a:t>
+                      </a:r>
+                      <a:endParaRPr lang="zh-CN" altLang="en-US" dirty="0"/>
+                    </a:p>
+                  </a:txBody>
+                  <a:tcPr/>
+                </a:tc>
+                <a:tc>
+                  <a:txBody>
+                    <a:bodyPr/>
+                    <a:lstStyle/>
+                    <a:p>
+                      <a:r>
+                        <a:rPr lang="en-US" altLang="zh-CN" dirty="0"/>
+                        <a:t>w1</a:t>
+                      </a:r>
+                      <a:endParaRPr lang="zh-CN" altLang="en-US" dirty="0"/>
+                    </a:p>
+                  </a:txBody>
+                  <a:tcPr/>
+                </a:tc>
+                <a:tc>
+                  <a:txBody>
+                    <a:bodyPr/>
+                    <a:lstStyle/>
+                    <a:p>
+                      <a:r>
+                        <a:rPr lang="en-US" altLang="zh-CN" dirty="0"/>
+                        <a:t>…</a:t>
+                      </a:r>
+                      <a:endParaRPr lang="zh-CN" altLang="en-US" dirty="0"/>
+                    </a:p>
+                  </a:txBody>
+                  <a:tcPr/>
+                </a:tc>
+                <a:tc>
+                  <a:txBody>
+                    <a:bodyPr/>
+                    <a:lstStyle/>
+                    <a:p>
+                      <a:r>
+                        <a:rPr lang="en-US" altLang="zh-CN" dirty="0" err="1"/>
+                        <a:t>wn</a:t>
+                      </a:r>
+                      <a:endParaRPr lang="zh-CN" altLang="en-US" dirty="0"/>
+                    </a:p>
+                  </a:txBody>
+                  <a:tcPr/>
+                </a:tc>
+                <a:extLst>
+                  <a:ext uri="{0D108BD9-81ED-4DB2-BD59-A6C34878D82A}">
+                    <a16:rowId xmlns:a16="http://schemas.microsoft.com/office/drawing/2014/main" val="10002"/>
+                  </a:ext>
+                </a:extLst>
+              </a:tr>
+            </a:tbl>
+          </a:graphicData>
+        </a:graphic>
+      </p:graphicFrame>
     </p:spTree>
     <p:extLst>
       <p:ext uri="{BB962C8B-B14F-4D97-AF65-F5344CB8AC3E}">
@@ -18913,200 +19498,831 @@
           <a:p>
             <a:r>
               <a:rPr kumimoji="1" lang="en-US" altLang="zh-CN" dirty="0"/>
-              <a:t>The above is a 4-queens puzzle.</a:t>
+              <a:t>E.g.,</a:t>
+            </a:r>
+            <a:r>
+              <a:rPr kumimoji="1" lang="zh-CN" altLang="en-US" dirty="0"/>
+              <a:t> </a:t>
+            </a:r>
+            <a:r>
+              <a:rPr kumimoji="1" lang="en-US" altLang="zh-CN" dirty="0"/>
+              <a:t>the above is a solution</a:t>
+            </a:r>
+            <a:r>
+              <a:rPr kumimoji="1" lang="zh-CN" altLang="en-US" dirty="0"/>
+              <a:t> </a:t>
+            </a:r>
+            <a:r>
+              <a:rPr kumimoji="1" lang="en-US" altLang="zh-CN" dirty="0"/>
+              <a:t>to</a:t>
+            </a:r>
+            <a:r>
+              <a:rPr kumimoji="1" lang="zh-CN" altLang="en-US" dirty="0"/>
+              <a:t> </a:t>
+            </a:r>
+            <a:r>
+              <a:rPr kumimoji="1" lang="en-US" altLang="zh-CN" dirty="0"/>
+              <a:t>the</a:t>
+            </a:r>
+            <a:r>
+              <a:rPr kumimoji="1" lang="zh-CN" altLang="en-US" dirty="0"/>
+              <a:t> </a:t>
+            </a:r>
+            <a:r>
+              <a:rPr kumimoji="1" lang="en-US" altLang="zh-CN" dirty="0"/>
+              <a:t>4-queens puzzle.</a:t>
             </a:r>
             <a:endParaRPr kumimoji="1" lang="zh-CN" altLang="en-US" dirty="0"/>
           </a:p>
         </p:txBody>
       </p:sp>
-      <p:sp>
-        <p:nvSpPr>
-          <p:cNvPr id="24" name="文本框 23">
-            <a:extLst>
-              <a:ext uri="{FF2B5EF4-FFF2-40B4-BE49-F238E27FC236}">
-                <a16:creationId xmlns:a16="http://schemas.microsoft.com/office/drawing/2014/main" id="{97CD32BA-122B-8449-8ADC-C0C4DB85B10A}"/>
-              </a:ext>
-            </a:extLst>
-          </p:cNvPr>
-          <p:cNvSpPr txBox="1"/>
-          <p:nvPr/>
-        </p:nvSpPr>
-        <p:spPr>
-          <a:xfrm>
-            <a:off x="304800" y="1905000"/>
-            <a:ext cx="5257800" cy="4801314"/>
-          </a:xfrm>
-          <a:prstGeom prst="rect">
-            <a:avLst/>
-          </a:prstGeom>
-          <a:noFill/>
-        </p:spPr>
-        <p:txBody>
-          <a:bodyPr wrap="square" rtlCol="0">
-            <a:spAutoFit/>
-          </a:bodyPr>
-          <a:lstStyle/>
-          <a:p>
-            <a:r>
-              <a:rPr kumimoji="1" lang="en-US" altLang="zh-CN" dirty="0"/>
-              <a:t>Modeling the problem:</a:t>
-            </a:r>
-          </a:p>
-          <a:p>
-            <a:r>
-              <a:rPr kumimoji="1" lang="en-US" altLang="zh-CN" dirty="0">
-                <a:solidFill>
-                  <a:srgbClr val="0432FF"/>
-                </a:solidFill>
-              </a:rPr>
-              <a:t>bool</a:t>
-            </a:r>
-            <a:r>
-              <a:rPr kumimoji="1" lang="zh-CN" altLang="en-US" dirty="0">
-                <a:solidFill>
-                  <a:srgbClr val="0432FF"/>
-                </a:solidFill>
-              </a:rPr>
-              <a:t> </a:t>
-            </a:r>
-            <a:r>
-              <a:rPr kumimoji="1" lang="en-US" altLang="zh-CN" dirty="0">
-                <a:solidFill>
-                  <a:srgbClr val="0432FF"/>
-                </a:solidFill>
-              </a:rPr>
-              <a:t>board[n][n]: </a:t>
-            </a:r>
-          </a:p>
-          <a:p>
-            <a:r>
-              <a:rPr kumimoji="1" lang="en-US" altLang="zh-CN" dirty="0"/>
-              <a:t>board[</a:t>
-            </a:r>
-            <a:r>
-              <a:rPr kumimoji="1" lang="en-US" altLang="zh-CN" dirty="0" err="1"/>
-              <a:t>i</a:t>
-            </a:r>
-            <a:r>
-              <a:rPr kumimoji="1" lang="en-US" altLang="zh-CN" dirty="0"/>
-              <a:t>][j]=true, when there is a queen; false, when there</a:t>
-            </a:r>
-            <a:r>
-              <a:rPr kumimoji="1" lang="zh-CN" altLang="en-US" dirty="0"/>
-              <a:t> </a:t>
-            </a:r>
-            <a:r>
-              <a:rPr kumimoji="1" lang="en-US" altLang="zh-CN" dirty="0"/>
-              <a:t>is</a:t>
-            </a:r>
-            <a:r>
-              <a:rPr kumimoji="1" lang="zh-CN" altLang="en-US" dirty="0"/>
-              <a:t> </a:t>
-            </a:r>
-            <a:r>
-              <a:rPr kumimoji="1" lang="en-US" altLang="zh-CN" dirty="0"/>
-              <a:t>not.</a:t>
-            </a:r>
-          </a:p>
-          <a:p>
-            <a:endParaRPr kumimoji="1" lang="en-US" altLang="zh-CN" dirty="0"/>
-          </a:p>
-          <a:p>
-            <a:r>
-              <a:rPr kumimoji="1" lang="en-US" altLang="zh-CN" dirty="0"/>
-              <a:t>Modeling the constraint:</a:t>
-            </a:r>
-          </a:p>
-          <a:p>
-            <a:pPr marL="342900" indent="-342900">
-              <a:buAutoNum type="arabicPeriod"/>
-            </a:pPr>
-            <a:r>
-              <a:rPr kumimoji="1" lang="en-US" altLang="zh-CN" dirty="0"/>
-              <a:t>Every row has </a:t>
-            </a:r>
-            <a:r>
-              <a:rPr kumimoji="1" lang="en-US" altLang="zh-CN" dirty="0">
-                <a:solidFill>
-                  <a:srgbClr val="0432FF"/>
-                </a:solidFill>
-              </a:rPr>
-              <a:t>exactly</a:t>
-            </a:r>
-            <a:r>
-              <a:rPr kumimoji="1" lang="en-US" altLang="zh-CN" dirty="0"/>
-              <a:t> 1 queen:</a:t>
-            </a:r>
-          </a:p>
-          <a:p>
-            <a:r>
-              <a:rPr kumimoji="1" lang="en-US" altLang="zh-CN" dirty="0">
-                <a:solidFill>
-                  <a:srgbClr val="0432FF"/>
-                </a:solidFill>
-              </a:rPr>
-              <a:t>(b[0][0]/\~b[0][1]/\~b[0][2]/\~b[0][3]) \/ (~b[0][0]/\b[0][1]/\~b[0][2]/\~b[0][3]) \/ (~b[0][0]/\~b[0][1]/\b[0][2]/\~b[0][3]) \/ (~b[0][0]/\~b[0][1]/\~b[0][2]/\b[0][3])</a:t>
-            </a:r>
-          </a:p>
-          <a:p>
-            <a:r>
-              <a:rPr kumimoji="1" lang="en-US" altLang="zh-CN" dirty="0"/>
-              <a:t>…</a:t>
-            </a:r>
-          </a:p>
-          <a:p>
-            <a:r>
-              <a:rPr kumimoji="1" lang="en-US" altLang="zh-CN" dirty="0"/>
-              <a:t>2. Each column has </a:t>
-            </a:r>
-            <a:r>
-              <a:rPr kumimoji="1" lang="en-US" altLang="zh-CN" dirty="0">
-                <a:solidFill>
-                  <a:srgbClr val="0432FF"/>
-                </a:solidFill>
-              </a:rPr>
-              <a:t>exactly</a:t>
-            </a:r>
-            <a:r>
-              <a:rPr kumimoji="1" lang="en-US" altLang="zh-CN" dirty="0"/>
-              <a:t> 1 queen:</a:t>
-            </a:r>
-          </a:p>
-          <a:p>
-            <a:r>
-              <a:rPr kumimoji="1" lang="en-US" altLang="zh-CN" dirty="0"/>
-              <a:t>// leave as exercise</a:t>
-            </a:r>
-          </a:p>
-          <a:p>
-            <a:endParaRPr kumimoji="1" lang="en-US" altLang="zh-CN" dirty="0"/>
-          </a:p>
-          <a:p>
-            <a:r>
-              <a:rPr kumimoji="1" lang="en-US" altLang="zh-CN" dirty="0"/>
-              <a:t>3. Each diagonal has </a:t>
-            </a:r>
-            <a:r>
-              <a:rPr kumimoji="1" lang="en-US" altLang="zh-CN" dirty="0">
-                <a:solidFill>
-                  <a:srgbClr val="0432FF"/>
-                </a:solidFill>
-              </a:rPr>
-              <a:t>at most </a:t>
-            </a:r>
-            <a:r>
-              <a:rPr kumimoji="1" lang="en-US" altLang="zh-CN" dirty="0"/>
-              <a:t>one queen:</a:t>
-            </a:r>
-          </a:p>
-          <a:p>
-            <a:r>
-              <a:rPr kumimoji="1" lang="en-US" altLang="zh-CN" dirty="0"/>
-              <a:t>// leave as exercise</a:t>
-            </a:r>
-          </a:p>
-        </p:txBody>
-      </p:sp>
+      <mc:AlternateContent xmlns:mc="http://schemas.openxmlformats.org/markup-compatibility/2006">
+        <mc:Choice xmlns:a14="http://schemas.microsoft.com/office/drawing/2010/main" Requires="a14">
+          <p:sp>
+            <p:nvSpPr>
+              <p:cNvPr id="24" name="文本框 23">
+                <a:extLst>
+                  <a:ext uri="{FF2B5EF4-FFF2-40B4-BE49-F238E27FC236}">
+                    <a16:creationId xmlns:a16="http://schemas.microsoft.com/office/drawing/2014/main" id="{97CD32BA-122B-8449-8ADC-C0C4DB85B10A}"/>
+                  </a:ext>
+                </a:extLst>
+              </p:cNvPr>
+              <p:cNvSpPr txBox="1"/>
+              <p:nvPr/>
+            </p:nvSpPr>
+            <p:spPr>
+              <a:xfrm>
+                <a:off x="304800" y="1905000"/>
+                <a:ext cx="5257800" cy="5061578"/>
+              </a:xfrm>
+              <a:prstGeom prst="rect">
+                <a:avLst/>
+              </a:prstGeom>
+              <a:noFill/>
+            </p:spPr>
+            <p:txBody>
+              <a:bodyPr wrap="square" rtlCol="0">
+                <a:spAutoFit/>
+              </a:bodyPr>
+              <a:lstStyle/>
+              <a:p>
+                <a:r>
+                  <a:rPr kumimoji="1" lang="en-US" altLang="zh-CN" dirty="0"/>
+                  <a:t>Modeling the problem:</a:t>
+                </a:r>
+              </a:p>
+              <a:p>
+                <a:r>
+                  <a:rPr kumimoji="1" lang="en-US" altLang="zh-CN" dirty="0">
+                    <a:solidFill>
+                      <a:srgbClr val="0432FF"/>
+                    </a:solidFill>
+                  </a:rPr>
+                  <a:t>bool</a:t>
+                </a:r>
+                <a:r>
+                  <a:rPr kumimoji="1" lang="zh-CN" altLang="en-US" dirty="0">
+                    <a:solidFill>
+                      <a:srgbClr val="0432FF"/>
+                    </a:solidFill>
+                  </a:rPr>
+                  <a:t> </a:t>
+                </a:r>
+                <a:r>
+                  <a:rPr kumimoji="1" lang="en-US" altLang="zh-CN" dirty="0">
+                    <a:solidFill>
+                      <a:srgbClr val="0432FF"/>
+                    </a:solidFill>
+                  </a:rPr>
+                  <a:t>board[n][n]: </a:t>
+                </a:r>
+              </a:p>
+              <a:p>
+                <a:r>
+                  <a:rPr kumimoji="1" lang="en-US" altLang="zh-CN" dirty="0"/>
+                  <a:t>board[</a:t>
+                </a:r>
+                <a:r>
+                  <a:rPr kumimoji="1" lang="en-US" altLang="zh-CN" dirty="0" err="1"/>
+                  <a:t>i</a:t>
+                </a:r>
+                <a:r>
+                  <a:rPr kumimoji="1" lang="en-US" altLang="zh-CN" dirty="0"/>
+                  <a:t>][j]=</a:t>
+                </a:r>
+                <a14:m>
+                  <m:oMath xmlns:m="http://schemas.openxmlformats.org/officeDocument/2006/math">
+                    <m:m>
+                      <m:mPr>
+                        <m:mcs>
+                          <m:mc>
+                            <m:mcPr>
+                              <m:count m:val="1"/>
+                              <m:mcJc m:val="center"/>
+                            </m:mcPr>
+                          </m:mc>
+                        </m:mcs>
+                        <m:ctrlPr>
+                          <a:rPr kumimoji="1" lang="en-US" altLang="zh-CN"/>
+                        </m:ctrlPr>
+                      </m:mPr>
+                      <m:mr>
+                        <m:e>
+                          <m:r>
+                            <m:rPr>
+                              <m:brk m:alnAt="7"/>
+                            </m:rPr>
+                            <a:rPr kumimoji="1" lang="en-US" altLang="zh-CN"/>
+                            <m:t>{</m:t>
+                          </m:r>
+                          <m:r>
+                            <m:rPr>
+                              <m:sty m:val="p"/>
+                            </m:rPr>
+                            <a:rPr kumimoji="1" lang="en-US" altLang="zh-CN"/>
+                            <m:t>true</m:t>
+                          </m:r>
+                          <m:r>
+                            <a:rPr kumimoji="1" lang="en-US" altLang="zh-CN"/>
+                            <m:t>,</m:t>
+                          </m:r>
+                          <m:r>
+                            <m:rPr>
+                              <m:brk m:alnAt="7"/>
+                            </m:rPr>
+                            <a:rPr kumimoji="1" lang="zh-CN" altLang="en-US"/>
+                            <m:t>  </m:t>
+                          </m:r>
+                          <m:r>
+                            <m:rPr>
+                              <m:brk m:alnAt="7"/>
+                            </m:rPr>
+                            <a:rPr kumimoji="1" lang="zh-CN" altLang="en-US" b="0" i="0" smtClean="0">
+                              <a:latin typeface="Cambria Math" panose="02040503050406030204" pitchFamily="18" charset="0"/>
+                            </a:rPr>
+                            <m:t>  </m:t>
+                          </m:r>
+                          <m:r>
+                            <m:rPr>
+                              <m:sty m:val="p"/>
+                              <m:brk m:alnAt="7"/>
+                            </m:rPr>
+                            <a:rPr kumimoji="1" lang="en-US" altLang="zh-CN" b="0" i="0" smtClean="0">
+                              <a:latin typeface="Cambria Math" panose="02040503050406030204" pitchFamily="18" charset="0"/>
+                            </a:rPr>
+                            <m:t>if</m:t>
+                          </m:r>
+                          <m:r>
+                            <m:rPr>
+                              <m:brk m:alnAt="7"/>
+                            </m:rPr>
+                            <a:rPr kumimoji="1" lang="zh-CN" altLang="en-US"/>
+                            <m:t> </m:t>
+                          </m:r>
+                          <m:r>
+                            <m:rPr>
+                              <m:sty m:val="p"/>
+                              <m:brk m:alnAt="7"/>
+                            </m:rPr>
+                            <a:rPr kumimoji="1" lang="en-US" altLang="zh-CN"/>
+                            <m:t>there</m:t>
+                          </m:r>
+                          <m:r>
+                            <m:rPr>
+                              <m:brk m:alnAt="7"/>
+                            </m:rPr>
+                            <a:rPr kumimoji="1" lang="zh-CN" altLang="en-US"/>
+                            <m:t> </m:t>
+                          </m:r>
+                          <m:r>
+                            <m:rPr>
+                              <m:sty m:val="p"/>
+                              <m:brk m:alnAt="7"/>
+                            </m:rPr>
+                            <a:rPr kumimoji="1" lang="en-US" altLang="zh-CN"/>
+                            <m:t>is</m:t>
+                          </m:r>
+                          <m:r>
+                            <m:rPr>
+                              <m:brk m:alnAt="7"/>
+                            </m:rPr>
+                            <a:rPr kumimoji="1" lang="zh-CN" altLang="en-US"/>
+                            <m:t> </m:t>
+                          </m:r>
+                          <m:r>
+                            <m:rPr>
+                              <m:sty m:val="p"/>
+                              <m:brk m:alnAt="7"/>
+                            </m:rPr>
+                            <a:rPr kumimoji="1" lang="en-US" altLang="zh-CN"/>
+                            <m:t>a</m:t>
+                          </m:r>
+                          <m:r>
+                            <m:rPr>
+                              <m:brk m:alnAt="7"/>
+                            </m:rPr>
+                            <a:rPr kumimoji="1" lang="zh-CN" altLang="en-US"/>
+                            <m:t> </m:t>
+                          </m:r>
+                          <m:r>
+                            <m:rPr>
+                              <m:sty m:val="p"/>
+                              <m:brk m:alnAt="7"/>
+                            </m:rPr>
+                            <a:rPr kumimoji="1" lang="en-US" altLang="zh-CN"/>
+                            <m:t>queen</m:t>
+                          </m:r>
+                          <m:r>
+                            <a:rPr kumimoji="1" lang="en-US" altLang="zh-CN"/>
+                            <m:t>;</m:t>
+                          </m:r>
+                        </m:e>
+                      </m:mr>
+                      <m:mr>
+                        <m:e>
+                          <m:r>
+                            <a:rPr kumimoji="1" lang="en-US" altLang="zh-CN"/>
+                            <m:t>{</m:t>
+                          </m:r>
+                          <m:r>
+                            <m:rPr>
+                              <m:sty m:val="p"/>
+                            </m:rPr>
+                            <a:rPr kumimoji="1" lang="en-US" altLang="zh-CN"/>
+                            <m:t>false</m:t>
+                          </m:r>
+                          <m:r>
+                            <a:rPr kumimoji="1" lang="en-US" altLang="zh-CN"/>
+                            <m:t>,</m:t>
+                          </m:r>
+                          <m:r>
+                            <a:rPr kumimoji="1" lang="zh-CN" altLang="en-US"/>
+                            <m:t>      </m:t>
+                          </m:r>
+                          <m:r>
+                            <a:rPr kumimoji="1" lang="zh-CN" altLang="en-US" b="0" i="0" smtClean="0">
+                              <a:latin typeface="Cambria Math" panose="02040503050406030204" pitchFamily="18" charset="0"/>
+                            </a:rPr>
+                            <m:t>  </m:t>
+                          </m:r>
+                          <m:r>
+                            <a:rPr kumimoji="1" lang="zh-CN" altLang="en-US"/>
+                            <m:t>          </m:t>
+                          </m:r>
+                          <m:r>
+                            <m:rPr>
+                              <m:sty m:val="p"/>
+                            </m:rPr>
+                            <a:rPr kumimoji="1" lang="en-US" altLang="zh-CN"/>
+                            <m:t>otherwise</m:t>
+                          </m:r>
+                          <m:r>
+                            <a:rPr kumimoji="1" lang="en-US" altLang="zh-CN"/>
+                            <m:t>.</m:t>
+                          </m:r>
+                        </m:e>
+                      </m:mr>
+                    </m:m>
+                  </m:oMath>
+                </a14:m>
+                <a:endParaRPr kumimoji="1" lang="en-US" altLang="zh-CN" dirty="0"/>
+              </a:p>
+              <a:p>
+                <a:r>
+                  <a:rPr kumimoji="1" lang="en-US" altLang="zh-CN" dirty="0"/>
+                  <a:t>This</a:t>
+                </a:r>
+                <a:r>
+                  <a:rPr kumimoji="1" lang="zh-CN" altLang="en-US" dirty="0"/>
+                  <a:t> </a:t>
+                </a:r>
+                <a:r>
+                  <a:rPr kumimoji="1" lang="en-US" altLang="zh-CN" dirty="0"/>
+                  <a:t>is</a:t>
+                </a:r>
+                <a:r>
+                  <a:rPr kumimoji="1" lang="zh-CN" altLang="en-US" dirty="0"/>
+                  <a:t> </a:t>
+                </a:r>
+                <a:r>
+                  <a:rPr kumimoji="1" lang="en-US" altLang="zh-CN" dirty="0"/>
+                  <a:t>equivalent</a:t>
+                </a:r>
+                <a:r>
+                  <a:rPr kumimoji="1" lang="zh-CN" altLang="en-US" dirty="0"/>
+                  <a:t> </a:t>
+                </a:r>
+                <a:r>
+                  <a:rPr kumimoji="1" lang="en-US" altLang="zh-CN" dirty="0"/>
+                  <a:t>to:</a:t>
+                </a:r>
+              </a:p>
+              <a:p>
+                <a:r>
+                  <a:rPr kumimoji="1" lang="en-US" altLang="zh-CN" dirty="0">
+                    <a:solidFill>
+                      <a:srgbClr val="0432FF"/>
+                    </a:solidFill>
+                  </a:rPr>
+                  <a:t>If(board[</a:t>
+                </a:r>
+                <a:r>
+                  <a:rPr kumimoji="1" lang="en-US" altLang="zh-CN" dirty="0" err="1">
+                    <a:solidFill>
+                      <a:srgbClr val="0432FF"/>
+                    </a:solidFill>
+                  </a:rPr>
+                  <a:t>i</a:t>
+                </a:r>
+                <a:r>
+                  <a:rPr kumimoji="1" lang="en-US" altLang="zh-CN" dirty="0">
+                    <a:solidFill>
+                      <a:srgbClr val="0432FF"/>
+                    </a:solidFill>
+                  </a:rPr>
+                  <a:t>][j],</a:t>
+                </a:r>
+                <a:r>
+                  <a:rPr kumimoji="1" lang="zh-CN" altLang="en-US" dirty="0">
+                    <a:solidFill>
+                      <a:srgbClr val="0432FF"/>
+                    </a:solidFill>
+                  </a:rPr>
+                  <a:t> </a:t>
+                </a:r>
+                <a:r>
+                  <a:rPr kumimoji="1" lang="en-US" altLang="zh-CN" dirty="0">
+                    <a:solidFill>
+                      <a:srgbClr val="0432FF"/>
+                    </a:solidFill>
+                  </a:rPr>
+                  <a:t>1,</a:t>
+                </a:r>
+                <a:r>
+                  <a:rPr kumimoji="1" lang="zh-CN" altLang="en-US" dirty="0">
+                    <a:solidFill>
+                      <a:srgbClr val="0432FF"/>
+                    </a:solidFill>
+                  </a:rPr>
+                  <a:t> </a:t>
+                </a:r>
+                <a:r>
+                  <a:rPr kumimoji="1" lang="en-US" altLang="zh-CN" dirty="0">
+                    <a:solidFill>
+                      <a:srgbClr val="0432FF"/>
+                    </a:solidFill>
+                  </a:rPr>
+                  <a:t>0)</a:t>
+                </a:r>
+              </a:p>
+              <a:p>
+                <a:r>
+                  <a:rPr kumimoji="1" lang="en-US" altLang="zh-CN" dirty="0">
+                    <a:sym typeface="Wingdings" pitchFamily="2" charset="2"/>
+                  </a:rPr>
+                  <a:t>write</a:t>
+                </a:r>
+                <a:r>
+                  <a:rPr kumimoji="1" lang="zh-CN" altLang="en-US" dirty="0">
+                    <a:sym typeface="Wingdings" pitchFamily="2" charset="2"/>
+                  </a:rPr>
+                  <a:t> </a:t>
+                </a:r>
+                <a:r>
+                  <a:rPr kumimoji="1" lang="en-US" altLang="zh-CN" dirty="0">
+                    <a:sym typeface="Wingdings" pitchFamily="2" charset="2"/>
+                  </a:rPr>
+                  <a:t>as</a:t>
+                </a:r>
+                <a:r>
+                  <a:rPr kumimoji="1" lang="zh-CN" altLang="en-US" dirty="0">
+                    <a:sym typeface="Wingdings" pitchFamily="2" charset="2"/>
+                  </a:rPr>
+                  <a:t> </a:t>
+                </a:r>
+                <a:r>
+                  <a:rPr kumimoji="1" lang="en-US" altLang="zh-CN" dirty="0">
+                    <a:solidFill>
+                      <a:srgbClr val="0432FF"/>
+                    </a:solidFill>
+                    <a:sym typeface="Wingdings" pitchFamily="2" charset="2"/>
+                  </a:rPr>
+                  <a:t>e[</a:t>
+                </a:r>
+                <a:r>
+                  <a:rPr kumimoji="1" lang="en-US" altLang="zh-CN" dirty="0" err="1">
+                    <a:solidFill>
+                      <a:srgbClr val="0432FF"/>
+                    </a:solidFill>
+                    <a:sym typeface="Wingdings" pitchFamily="2" charset="2"/>
+                  </a:rPr>
+                  <a:t>i</a:t>
+                </a:r>
+                <a:r>
+                  <a:rPr kumimoji="1" lang="en-US" altLang="zh-CN" dirty="0">
+                    <a:solidFill>
+                      <a:srgbClr val="0432FF"/>
+                    </a:solidFill>
+                    <a:sym typeface="Wingdings" pitchFamily="2" charset="2"/>
+                  </a:rPr>
+                  <a:t>][j]</a:t>
+                </a:r>
+              </a:p>
+              <a:p>
+                <a:endParaRPr kumimoji="1" lang="en-US" altLang="zh-CN" dirty="0">
+                  <a:solidFill>
+                    <a:srgbClr val="0432FF"/>
+                  </a:solidFill>
+                </a:endParaRPr>
+              </a:p>
+              <a:p>
+                <a:r>
+                  <a:rPr kumimoji="1" lang="en-US" altLang="zh-CN" dirty="0"/>
+                  <a:t>Generate the constraints:</a:t>
+                </a:r>
+              </a:p>
+              <a:p>
+                <a:pPr marL="342900" indent="-342900">
+                  <a:buAutoNum type="arabicPeriod"/>
+                </a:pPr>
+                <a:r>
+                  <a:rPr kumimoji="1" lang="en-US" altLang="zh-CN" dirty="0"/>
+                  <a:t>Every row has </a:t>
+                </a:r>
+                <a:r>
+                  <a:rPr kumimoji="1" lang="en-US" altLang="zh-CN" dirty="0">
+                    <a:solidFill>
+                      <a:srgbClr val="0432FF"/>
+                    </a:solidFill>
+                  </a:rPr>
+                  <a:t>exactly</a:t>
+                </a:r>
+                <a:r>
+                  <a:rPr kumimoji="1" lang="en-US" altLang="zh-CN" dirty="0"/>
+                  <a:t> 1 queen:</a:t>
+                </a:r>
+              </a:p>
+              <a:p>
+                <a:r>
+                  <a:rPr kumimoji="1" lang="zh-CN" altLang="en-US" dirty="0">
+                    <a:solidFill>
+                      <a:srgbClr val="0432FF"/>
+                    </a:solidFill>
+                  </a:rPr>
+                  <a:t>∑</a:t>
+                </a:r>
+                <a:r>
+                  <a:rPr kumimoji="1" lang="en-US" altLang="zh-CN" dirty="0">
+                    <a:solidFill>
+                      <a:srgbClr val="0432FF"/>
+                    </a:solidFill>
+                  </a:rPr>
+                  <a:t>(e[0][0],</a:t>
+                </a:r>
+                <a:r>
+                  <a:rPr kumimoji="1" lang="zh-CN" altLang="en-US" dirty="0">
+                    <a:solidFill>
+                      <a:srgbClr val="0432FF"/>
+                    </a:solidFill>
+                  </a:rPr>
+                  <a:t> </a:t>
+                </a:r>
+                <a:r>
+                  <a:rPr kumimoji="1" lang="en-US" altLang="zh-CN" dirty="0">
+                    <a:solidFill>
+                      <a:srgbClr val="0432FF"/>
+                    </a:solidFill>
+                  </a:rPr>
+                  <a:t>e[0][1],</a:t>
+                </a:r>
+                <a:r>
+                  <a:rPr kumimoji="1" lang="zh-CN" altLang="en-US" dirty="0">
+                    <a:solidFill>
+                      <a:srgbClr val="0432FF"/>
+                    </a:solidFill>
+                  </a:rPr>
+                  <a:t> </a:t>
+                </a:r>
+                <a:r>
+                  <a:rPr kumimoji="1" lang="en-US" altLang="zh-CN" dirty="0">
+                    <a:solidFill>
+                      <a:srgbClr val="0432FF"/>
+                    </a:solidFill>
+                  </a:rPr>
+                  <a:t>e[0][2],</a:t>
+                </a:r>
+                <a:r>
+                  <a:rPr kumimoji="1" lang="zh-CN" altLang="en-US" dirty="0">
+                    <a:solidFill>
+                      <a:srgbClr val="0432FF"/>
+                    </a:solidFill>
+                  </a:rPr>
+                  <a:t> </a:t>
+                </a:r>
+                <a:r>
+                  <a:rPr kumimoji="1" lang="en-US" altLang="zh-CN" dirty="0">
+                    <a:solidFill>
+                      <a:srgbClr val="0432FF"/>
+                    </a:solidFill>
+                  </a:rPr>
+                  <a:t>e[0][3])=1 </a:t>
+                </a:r>
+              </a:p>
+              <a:p>
+                <a:r>
+                  <a:rPr kumimoji="1" lang="zh-CN" altLang="en-US" dirty="0">
+                    <a:solidFill>
+                      <a:srgbClr val="0432FF"/>
+                    </a:solidFill>
+                  </a:rPr>
+                  <a:t>∑</a:t>
+                </a:r>
+                <a:r>
+                  <a:rPr kumimoji="1" lang="en-US" altLang="zh-CN" dirty="0">
+                    <a:solidFill>
+                      <a:srgbClr val="0432FF"/>
+                    </a:solidFill>
+                  </a:rPr>
+                  <a:t>(e[1][0],</a:t>
+                </a:r>
+                <a:r>
+                  <a:rPr kumimoji="1" lang="zh-CN" altLang="en-US" dirty="0">
+                    <a:solidFill>
+                      <a:srgbClr val="0432FF"/>
+                    </a:solidFill>
+                  </a:rPr>
+                  <a:t> </a:t>
+                </a:r>
+                <a:r>
+                  <a:rPr kumimoji="1" lang="en-US" altLang="zh-CN" dirty="0">
+                    <a:solidFill>
+                      <a:srgbClr val="0432FF"/>
+                    </a:solidFill>
+                  </a:rPr>
+                  <a:t>e[1][1],</a:t>
+                </a:r>
+                <a:r>
+                  <a:rPr kumimoji="1" lang="zh-CN" altLang="en-US" dirty="0">
+                    <a:solidFill>
+                      <a:srgbClr val="0432FF"/>
+                    </a:solidFill>
+                  </a:rPr>
+                  <a:t> </a:t>
+                </a:r>
+                <a:r>
+                  <a:rPr kumimoji="1" lang="en-US" altLang="zh-CN" dirty="0">
+                    <a:solidFill>
+                      <a:srgbClr val="0432FF"/>
+                    </a:solidFill>
+                  </a:rPr>
+                  <a:t>e[1][2],</a:t>
+                </a:r>
+                <a:r>
+                  <a:rPr kumimoji="1" lang="zh-CN" altLang="en-US" dirty="0">
+                    <a:solidFill>
+                      <a:srgbClr val="0432FF"/>
+                    </a:solidFill>
+                  </a:rPr>
+                  <a:t> </a:t>
+                </a:r>
+                <a:r>
+                  <a:rPr kumimoji="1" lang="en-US" altLang="zh-CN" dirty="0">
+                    <a:solidFill>
+                      <a:srgbClr val="0432FF"/>
+                    </a:solidFill>
+                  </a:rPr>
+                  <a:t>e[1][3])=1 </a:t>
+                </a:r>
+                <a:endParaRPr kumimoji="1" lang="en-US" altLang="zh-CN" dirty="0"/>
+              </a:p>
+              <a:p>
+                <a:r>
+                  <a:rPr kumimoji="1" lang="zh-CN" altLang="en-US" dirty="0">
+                    <a:solidFill>
+                      <a:srgbClr val="0432FF"/>
+                    </a:solidFill>
+                  </a:rPr>
+                  <a:t>∑</a:t>
+                </a:r>
+                <a:r>
+                  <a:rPr kumimoji="1" lang="en-US" altLang="zh-CN" dirty="0">
+                    <a:solidFill>
+                      <a:srgbClr val="0432FF"/>
+                    </a:solidFill>
+                  </a:rPr>
+                  <a:t>(e[2][0],</a:t>
+                </a:r>
+                <a:r>
+                  <a:rPr kumimoji="1" lang="zh-CN" altLang="en-US" dirty="0">
+                    <a:solidFill>
+                      <a:srgbClr val="0432FF"/>
+                    </a:solidFill>
+                  </a:rPr>
+                  <a:t> </a:t>
+                </a:r>
+                <a:r>
+                  <a:rPr kumimoji="1" lang="en-US" altLang="zh-CN" dirty="0">
+                    <a:solidFill>
+                      <a:srgbClr val="0432FF"/>
+                    </a:solidFill>
+                  </a:rPr>
+                  <a:t>e[2][1],</a:t>
+                </a:r>
+                <a:r>
+                  <a:rPr kumimoji="1" lang="zh-CN" altLang="en-US" dirty="0">
+                    <a:solidFill>
+                      <a:srgbClr val="0432FF"/>
+                    </a:solidFill>
+                  </a:rPr>
+                  <a:t> </a:t>
+                </a:r>
+                <a:r>
+                  <a:rPr kumimoji="1" lang="en-US" altLang="zh-CN" dirty="0">
+                    <a:solidFill>
+                      <a:srgbClr val="0432FF"/>
+                    </a:solidFill>
+                  </a:rPr>
+                  <a:t>e[2][2],</a:t>
+                </a:r>
+                <a:r>
+                  <a:rPr kumimoji="1" lang="zh-CN" altLang="en-US" dirty="0">
+                    <a:solidFill>
+                      <a:srgbClr val="0432FF"/>
+                    </a:solidFill>
+                  </a:rPr>
+                  <a:t> </a:t>
+                </a:r>
+                <a:r>
+                  <a:rPr kumimoji="1" lang="en-US" altLang="zh-CN" dirty="0">
+                    <a:solidFill>
+                      <a:srgbClr val="0432FF"/>
+                    </a:solidFill>
+                  </a:rPr>
+                  <a:t>e[2][3])=1</a:t>
+                </a:r>
+              </a:p>
+              <a:p>
+                <a:r>
+                  <a:rPr kumimoji="1" lang="zh-CN" altLang="en-US" dirty="0">
+                    <a:solidFill>
+                      <a:srgbClr val="0432FF"/>
+                    </a:solidFill>
+                  </a:rPr>
+                  <a:t>∑</a:t>
+                </a:r>
+                <a:r>
+                  <a:rPr kumimoji="1" lang="en-US" altLang="zh-CN" dirty="0">
+                    <a:solidFill>
+                      <a:srgbClr val="0432FF"/>
+                    </a:solidFill>
+                  </a:rPr>
+                  <a:t>(e[3][0],</a:t>
+                </a:r>
+                <a:r>
+                  <a:rPr kumimoji="1" lang="zh-CN" altLang="en-US" dirty="0">
+                    <a:solidFill>
+                      <a:srgbClr val="0432FF"/>
+                    </a:solidFill>
+                  </a:rPr>
+                  <a:t> </a:t>
+                </a:r>
+                <a:r>
+                  <a:rPr kumimoji="1" lang="en-US" altLang="zh-CN" dirty="0">
+                    <a:solidFill>
+                      <a:srgbClr val="0432FF"/>
+                    </a:solidFill>
+                  </a:rPr>
+                  <a:t>e[3][1],</a:t>
+                </a:r>
+                <a:r>
+                  <a:rPr kumimoji="1" lang="zh-CN" altLang="en-US" dirty="0">
+                    <a:solidFill>
+                      <a:srgbClr val="0432FF"/>
+                    </a:solidFill>
+                  </a:rPr>
+                  <a:t> </a:t>
+                </a:r>
+                <a:r>
+                  <a:rPr kumimoji="1" lang="en-US" altLang="zh-CN" dirty="0">
+                    <a:solidFill>
+                      <a:srgbClr val="0432FF"/>
+                    </a:solidFill>
+                  </a:rPr>
+                  <a:t>e[3][2],</a:t>
+                </a:r>
+                <a:r>
+                  <a:rPr kumimoji="1" lang="zh-CN" altLang="en-US" dirty="0">
+                    <a:solidFill>
+                      <a:srgbClr val="0432FF"/>
+                    </a:solidFill>
+                  </a:rPr>
+                  <a:t> </a:t>
+                </a:r>
+                <a:r>
+                  <a:rPr kumimoji="1" lang="en-US" altLang="zh-CN" dirty="0">
+                    <a:solidFill>
+                      <a:srgbClr val="0432FF"/>
+                    </a:solidFill>
+                  </a:rPr>
+                  <a:t>e[3][3])=1  </a:t>
+                </a:r>
+              </a:p>
+              <a:p>
+                <a:r>
+                  <a:rPr kumimoji="1" lang="en-US" altLang="zh-CN" dirty="0"/>
+                  <a:t>2. Each column has </a:t>
+                </a:r>
+                <a:r>
+                  <a:rPr kumimoji="1" lang="en-US" altLang="zh-CN" dirty="0">
+                    <a:solidFill>
+                      <a:srgbClr val="0432FF"/>
+                    </a:solidFill>
+                  </a:rPr>
+                  <a:t>exactly</a:t>
+                </a:r>
+                <a:r>
+                  <a:rPr kumimoji="1" lang="en-US" altLang="zh-CN" dirty="0"/>
+                  <a:t> 1 queen:</a:t>
+                </a:r>
+              </a:p>
+              <a:p>
+                <a:r>
+                  <a:rPr kumimoji="1" lang="en-US" altLang="zh-CN" dirty="0"/>
+                  <a:t>// leave as exercise</a:t>
+                </a:r>
+              </a:p>
+              <a:p>
+                <a:r>
+                  <a:rPr kumimoji="1" lang="en-US" altLang="zh-CN" dirty="0"/>
+                  <a:t>3. Each diagonal has </a:t>
+                </a:r>
+                <a:r>
+                  <a:rPr kumimoji="1" lang="en-US" altLang="zh-CN" dirty="0">
+                    <a:solidFill>
+                      <a:srgbClr val="0432FF"/>
+                    </a:solidFill>
+                  </a:rPr>
+                  <a:t>at most </a:t>
+                </a:r>
+                <a:r>
+                  <a:rPr kumimoji="1" lang="en-US" altLang="zh-CN" dirty="0"/>
+                  <a:t>one queen:</a:t>
+                </a:r>
+              </a:p>
+              <a:p>
+                <a:r>
+                  <a:rPr kumimoji="1" lang="en-US" altLang="zh-CN" dirty="0"/>
+                  <a:t>// leave as exercise</a:t>
+                </a:r>
+              </a:p>
+            </p:txBody>
+          </p:sp>
+        </mc:Choice>
+        <mc:Fallback>
+          <p:sp>
+            <p:nvSpPr>
+              <p:cNvPr id="24" name="文本框 23">
+                <a:extLst>
+                  <a:ext uri="{FF2B5EF4-FFF2-40B4-BE49-F238E27FC236}">
+                    <a16:creationId xmlns:a16="http://schemas.microsoft.com/office/drawing/2014/main" id="{97CD32BA-122B-8449-8ADC-C0C4DB85B10A}"/>
+                  </a:ext>
+                </a:extLst>
+              </p:cNvPr>
+              <p:cNvSpPr txBox="1">
+                <a:spLocks noRot="1" noChangeAspect="1" noMove="1" noResize="1" noEditPoints="1" noAdjustHandles="1" noChangeArrowheads="1" noChangeShapeType="1" noTextEdit="1"/>
+              </p:cNvSpPr>
+              <p:nvPr/>
+            </p:nvSpPr>
+            <p:spPr>
+              <a:xfrm>
+                <a:off x="304800" y="1905000"/>
+                <a:ext cx="5257800" cy="5061578"/>
+              </a:xfrm>
+              <a:prstGeom prst="rect">
+                <a:avLst/>
+              </a:prstGeom>
+              <a:blipFill>
+                <a:blip r:embed="rId2"/>
+                <a:stretch>
+                  <a:fillRect l="-964" t="-752" b="-1003"/>
+                </a:stretch>
+              </a:blipFill>
+            </p:spPr>
+            <p:txBody>
+              <a:bodyPr/>
+              <a:lstStyle/>
+              <a:p>
+                <a:r>
+                  <a:rPr lang="zh-CN" altLang="en-US">
+                    <a:noFill/>
+                  </a:rPr>
+                  <a:t> </a:t>
+                </a:r>
+              </a:p>
+            </p:txBody>
+          </p:sp>
+        </mc:Fallback>
+      </mc:AlternateContent>
       <p:pic>
         <p:nvPicPr>
           <p:cNvPr id="5" name="图片 4">
@@ -19122,7 +20338,7 @@
           <p:nvPr/>
         </p:nvPicPr>
         <p:blipFill>
-          <a:blip r:embed="rId2">
+          <a:blip r:embed="rId3">
             <a:extLst>
               <a:ext uri="{28A0092B-C50C-407E-A947-70E740481C1C}">
                 <a14:useLocalDpi xmlns:a14="http://schemas.microsoft.com/office/drawing/2010/main" val="0"/>
@@ -19202,8 +20418,8 @@
           </a:p>
         </p:txBody>
       </p:sp>
-      <mc:AlternateContent xmlns:mc="http://schemas.openxmlformats.org/markup-compatibility/2006" xmlns:a14="http://schemas.microsoft.com/office/drawing/2010/main">
-        <mc:Choice Requires="a14">
+      <mc:AlternateContent xmlns:mc="http://schemas.openxmlformats.org/markup-compatibility/2006">
+        <mc:Choice xmlns:a14="http://schemas.microsoft.com/office/drawing/2010/main" Requires="a14">
           <p:sp>
             <p:nvSpPr>
               <p:cNvPr id="3" name="内容占位符 2">
@@ -19320,7 +20536,15 @@
               <a:p>
                 <a:r>
                   <a:rPr kumimoji="1" lang="en-US" altLang="zh-CN" dirty="0"/>
-                  <a:t>The formulae for this is still unknown</a:t>
+                  <a:t>The formulae for n-queens is still </a:t>
+                </a:r>
+                <a:r>
+                  <a:rPr kumimoji="1" lang="en-US" altLang="zh-CN" dirty="0">
+                    <a:solidFill>
+                      <a:srgbClr val="FF0000"/>
+                    </a:solidFill>
+                  </a:rPr>
+                  <a:t>unknown</a:t>
                 </a:r>
               </a:p>
               <a:p>
@@ -19334,7 +20558,7 @@
             </p:txBody>
           </p:sp>
         </mc:Choice>
-        <mc:Fallback xmlns="">
+        <mc:Fallback>
           <p:sp>
             <p:nvSpPr>
               <p:cNvPr id="3" name="内容占位符 2">
@@ -19359,7 +20583,7 @@
               <a:blipFill>
                 <a:blip r:embed="rId2"/>
                 <a:stretch>
-                  <a:fillRect l="-1007" t="-1846" r="-1342" b="-16615"/>
+                  <a:fillRect l="-1342" t="-1846" r="-1342" b="-16923"/>
                 </a:stretch>
               </a:blipFill>
             </p:spPr>
